--- a/11. Others/A. PPTs/Servlets & JSP.pptx
+++ b/11. Others/A. PPTs/Servlets & JSP.pptx
@@ -2435,6 +2435,1743 @@
       <dsp:cNvGrpSpPr/>
     </dsp:nvGrpSpPr>
     <dsp:grpSpPr/>
+    <dsp:sp modelId="{9803BE37-3D9A-4C81-90E6-FA9E06BAE000}">
+      <dsp:nvSpPr>
+        <dsp:cNvPr id="0" name=""/>
+        <dsp:cNvSpPr/>
+      </dsp:nvSpPr>
+      <dsp:spPr>
+        <a:xfrm>
+          <a:off x="0" y="3199"/>
+          <a:ext cx="8784976" cy="0"/>
+        </a:xfrm>
+        <a:prstGeom prst="line">
+          <a:avLst/>
+        </a:prstGeom>
+        <a:solidFill>
+          <a:schemeClr val="accent1">
+            <a:hueOff val="0"/>
+            <a:satOff val="0"/>
+            <a:lumOff val="0"/>
+            <a:alphaOff val="0"/>
+          </a:schemeClr>
+        </a:solidFill>
+        <a:ln w="25400" cap="flat" cmpd="sng" algn="ctr">
+          <a:solidFill>
+            <a:schemeClr val="accent1">
+              <a:hueOff val="0"/>
+              <a:satOff val="0"/>
+              <a:lumOff val="0"/>
+              <a:alphaOff val="0"/>
+            </a:schemeClr>
+          </a:solidFill>
+          <a:prstDash val="solid"/>
+        </a:ln>
+        <a:effectLst/>
+      </dsp:spPr>
+      <dsp:style>
+        <a:lnRef idx="2">
+          <a:scrgbClr r="0" g="0" b="0"/>
+        </a:lnRef>
+        <a:fillRef idx="1">
+          <a:scrgbClr r="0" g="0" b="0"/>
+        </a:fillRef>
+        <a:effectRef idx="0">
+          <a:scrgbClr r="0" g="0" b="0"/>
+        </a:effectRef>
+        <a:fontRef idx="minor">
+          <a:schemeClr val="lt1"/>
+        </a:fontRef>
+      </dsp:style>
+    </dsp:sp>
+    <dsp:sp modelId="{D559DA67-C88E-4EC2-9CD0-E84FB41AEDF2}">
+      <dsp:nvSpPr>
+        <dsp:cNvPr id="0" name=""/>
+        <dsp:cNvSpPr/>
+      </dsp:nvSpPr>
+      <dsp:spPr>
+        <a:xfrm>
+          <a:off x="0" y="3199"/>
+          <a:ext cx="1756995" cy="6546329"/>
+        </a:xfrm>
+        <a:prstGeom prst="rect">
+          <a:avLst/>
+        </a:prstGeom>
+        <a:noFill/>
+        <a:ln>
+          <a:noFill/>
+        </a:ln>
+        <a:effectLst/>
+      </dsp:spPr>
+      <dsp:style>
+        <a:lnRef idx="0">
+          <a:scrgbClr r="0" g="0" b="0"/>
+        </a:lnRef>
+        <a:fillRef idx="0">
+          <a:scrgbClr r="0" g="0" b="0"/>
+        </a:fillRef>
+        <a:effectRef idx="0">
+          <a:scrgbClr r="0" g="0" b="0"/>
+        </a:effectRef>
+        <a:fontRef idx="minor"/>
+      </dsp:style>
+      <dsp:txBody>
+        <a:bodyPr spcFirstLastPara="0" vert="horz" wrap="square" lIns="106680" tIns="106680" rIns="106680" bIns="106680" numCol="1" spcCol="1270" anchor="t" anchorCtr="0">
+          <a:noAutofit/>
+        </a:bodyPr>
+        <a:lstStyle/>
+        <a:p>
+          <a:pPr lvl="0" algn="l" defTabSz="1244600">
+            <a:lnSpc>
+              <a:spcPct val="90000"/>
+            </a:lnSpc>
+            <a:spcBef>
+              <a:spcPct val="0"/>
+            </a:spcBef>
+            <a:spcAft>
+              <a:spcPct val="35000"/>
+            </a:spcAft>
+          </a:pPr>
+          <a:r>
+            <a:rPr lang="en-US" sz="2800" kern="1200" smtClean="0"/>
+            <a:t>JSP Tags</a:t>
+          </a:r>
+          <a:endParaRPr lang="en-IN" sz="2800" kern="1200"/>
+        </a:p>
+      </dsp:txBody>
+      <dsp:txXfrm>
+        <a:off x="0" y="3199"/>
+        <a:ext cx="1756995" cy="6546329"/>
+      </dsp:txXfrm>
+    </dsp:sp>
+    <dsp:sp modelId="{169FEA4B-1E82-4E6A-BEDD-652A30B77F03}">
+      <dsp:nvSpPr>
+        <dsp:cNvPr id="0" name=""/>
+        <dsp:cNvSpPr/>
+      </dsp:nvSpPr>
+      <dsp:spPr>
+        <a:xfrm>
+          <a:off x="1888769" y="130098"/>
+          <a:ext cx="4237299" cy="763957"/>
+        </a:xfrm>
+        <a:prstGeom prst="rect">
+          <a:avLst/>
+        </a:prstGeom>
+        <a:noFill/>
+        <a:ln>
+          <a:noFill/>
+        </a:ln>
+        <a:effectLst/>
+      </dsp:spPr>
+      <dsp:style>
+        <a:lnRef idx="0">
+          <a:scrgbClr r="0" g="0" b="0"/>
+        </a:lnRef>
+        <a:fillRef idx="0">
+          <a:scrgbClr r="0" g="0" b="0"/>
+        </a:fillRef>
+        <a:effectRef idx="0">
+          <a:scrgbClr r="0" g="0" b="0"/>
+        </a:effectRef>
+        <a:fontRef idx="minor"/>
+      </dsp:style>
+      <dsp:txBody>
+        <a:bodyPr spcFirstLastPara="0" vert="horz" wrap="square" lIns="91440" tIns="91440" rIns="91440" bIns="91440" numCol="1" spcCol="1270" anchor="t" anchorCtr="0">
+          <a:noAutofit/>
+        </a:bodyPr>
+        <a:lstStyle/>
+        <a:p>
+          <a:pPr lvl="0" algn="l" defTabSz="1066800">
+            <a:lnSpc>
+              <a:spcPct val="90000"/>
+            </a:lnSpc>
+            <a:spcBef>
+              <a:spcPct val="0"/>
+            </a:spcBef>
+            <a:spcAft>
+              <a:spcPct val="35000"/>
+            </a:spcAft>
+          </a:pPr>
+          <a:r>
+            <a:rPr lang="en-US" sz="2400" kern="1200" smtClean="0"/>
+            <a:t>Declaration Tag</a:t>
+          </a:r>
+          <a:endParaRPr lang="en-IN" sz="2400" kern="1200"/>
+        </a:p>
+      </dsp:txBody>
+      <dsp:txXfrm>
+        <a:off x="1888769" y="130098"/>
+        <a:ext cx="4237299" cy="763957"/>
+      </dsp:txXfrm>
+    </dsp:sp>
+    <dsp:sp modelId="{682C346B-0D9A-4F02-8C4D-297BF6C254D8}">
+      <dsp:nvSpPr>
+        <dsp:cNvPr id="0" name=""/>
+        <dsp:cNvSpPr/>
+      </dsp:nvSpPr>
+      <dsp:spPr>
+        <a:xfrm>
+          <a:off x="1756995" y="894056"/>
+          <a:ext cx="7027980" cy="0"/>
+        </a:xfrm>
+        <a:prstGeom prst="line">
+          <a:avLst/>
+        </a:prstGeom>
+        <a:solidFill>
+          <a:schemeClr val="accent1">
+            <a:hueOff val="0"/>
+            <a:satOff val="0"/>
+            <a:lumOff val="0"/>
+            <a:alphaOff val="0"/>
+          </a:schemeClr>
+        </a:solidFill>
+        <a:ln w="25400" cap="flat" cmpd="sng" algn="ctr">
+          <a:solidFill>
+            <a:schemeClr val="accent1">
+              <a:tint val="50000"/>
+              <a:hueOff val="0"/>
+              <a:satOff val="0"/>
+              <a:lumOff val="0"/>
+              <a:alphaOff val="0"/>
+            </a:schemeClr>
+          </a:solidFill>
+          <a:prstDash val="solid"/>
+        </a:ln>
+        <a:effectLst/>
+      </dsp:spPr>
+      <dsp:style>
+        <a:lnRef idx="2">
+          <a:scrgbClr r="0" g="0" b="0"/>
+        </a:lnRef>
+        <a:fillRef idx="1">
+          <a:scrgbClr r="0" g="0" b="0"/>
+        </a:fillRef>
+        <a:effectRef idx="0">
+          <a:scrgbClr r="0" g="0" b="0"/>
+        </a:effectRef>
+        <a:fontRef idx="minor"/>
+      </dsp:style>
+    </dsp:sp>
+    <dsp:sp modelId="{B6942970-8A81-4502-9520-D842EF452133}">
+      <dsp:nvSpPr>
+        <dsp:cNvPr id="0" name=""/>
+        <dsp:cNvSpPr/>
+      </dsp:nvSpPr>
+      <dsp:spPr>
+        <a:xfrm>
+          <a:off x="1888769" y="1020955"/>
+          <a:ext cx="3517228" cy="688960"/>
+        </a:xfrm>
+        <a:prstGeom prst="rect">
+          <a:avLst/>
+        </a:prstGeom>
+        <a:noFill/>
+        <a:ln>
+          <a:noFill/>
+        </a:ln>
+        <a:effectLst/>
+      </dsp:spPr>
+      <dsp:style>
+        <a:lnRef idx="0">
+          <a:scrgbClr r="0" g="0" b="0"/>
+        </a:lnRef>
+        <a:fillRef idx="0">
+          <a:scrgbClr r="0" g="0" b="0"/>
+        </a:fillRef>
+        <a:effectRef idx="0">
+          <a:scrgbClr r="0" g="0" b="0"/>
+        </a:effectRef>
+        <a:fontRef idx="minor"/>
+      </dsp:style>
+      <dsp:txBody>
+        <a:bodyPr spcFirstLastPara="0" vert="horz" wrap="square" lIns="91440" tIns="91440" rIns="91440" bIns="91440" numCol="1" spcCol="1270" anchor="t" anchorCtr="0">
+          <a:noAutofit/>
+        </a:bodyPr>
+        <a:lstStyle/>
+        <a:p>
+          <a:pPr lvl="0" algn="l" defTabSz="1066800">
+            <a:lnSpc>
+              <a:spcPct val="90000"/>
+            </a:lnSpc>
+            <a:spcBef>
+              <a:spcPct val="0"/>
+            </a:spcBef>
+            <a:spcAft>
+              <a:spcPct val="35000"/>
+            </a:spcAft>
+          </a:pPr>
+          <a:r>
+            <a:rPr lang="en-US" sz="2400" kern="1200" smtClean="0"/>
+            <a:t>Expression Tag</a:t>
+          </a:r>
+          <a:endParaRPr lang="en-IN" sz="2400" kern="1200"/>
+        </a:p>
+      </dsp:txBody>
+      <dsp:txXfrm>
+        <a:off x="1888769" y="1020955"/>
+        <a:ext cx="3517228" cy="688960"/>
+      </dsp:txXfrm>
+    </dsp:sp>
+    <dsp:sp modelId="{3853D9D4-6FE3-4277-A423-A92D1183632A}">
+      <dsp:nvSpPr>
+        <dsp:cNvPr id="0" name=""/>
+        <dsp:cNvSpPr/>
+      </dsp:nvSpPr>
+      <dsp:spPr>
+        <a:xfrm>
+          <a:off x="1756995" y="1709915"/>
+          <a:ext cx="7027980" cy="0"/>
+        </a:xfrm>
+        <a:prstGeom prst="line">
+          <a:avLst/>
+        </a:prstGeom>
+        <a:solidFill>
+          <a:schemeClr val="accent1">
+            <a:hueOff val="0"/>
+            <a:satOff val="0"/>
+            <a:lumOff val="0"/>
+            <a:alphaOff val="0"/>
+          </a:schemeClr>
+        </a:solidFill>
+        <a:ln w="25400" cap="flat" cmpd="sng" algn="ctr">
+          <a:solidFill>
+            <a:schemeClr val="accent1">
+              <a:tint val="50000"/>
+              <a:hueOff val="0"/>
+              <a:satOff val="0"/>
+              <a:lumOff val="0"/>
+              <a:alphaOff val="0"/>
+            </a:schemeClr>
+          </a:solidFill>
+          <a:prstDash val="solid"/>
+        </a:ln>
+        <a:effectLst/>
+      </dsp:spPr>
+      <dsp:style>
+        <a:lnRef idx="2">
+          <a:scrgbClr r="0" g="0" b="0"/>
+        </a:lnRef>
+        <a:fillRef idx="1">
+          <a:scrgbClr r="0" g="0" b="0"/>
+        </a:fillRef>
+        <a:effectRef idx="0">
+          <a:scrgbClr r="0" g="0" b="0"/>
+        </a:effectRef>
+        <a:fontRef idx="minor"/>
+      </dsp:style>
+    </dsp:sp>
+    <dsp:sp modelId="{F1F43E86-D782-4EAB-AF8E-A92411B986FE}">
+      <dsp:nvSpPr>
+        <dsp:cNvPr id="0" name=""/>
+        <dsp:cNvSpPr/>
+      </dsp:nvSpPr>
+      <dsp:spPr>
+        <a:xfrm>
+          <a:off x="1888769" y="1836814"/>
+          <a:ext cx="2210299" cy="748146"/>
+        </a:xfrm>
+        <a:prstGeom prst="rect">
+          <a:avLst/>
+        </a:prstGeom>
+        <a:noFill/>
+        <a:ln>
+          <a:noFill/>
+        </a:ln>
+        <a:effectLst/>
+      </dsp:spPr>
+      <dsp:style>
+        <a:lnRef idx="0">
+          <a:scrgbClr r="0" g="0" b="0"/>
+        </a:lnRef>
+        <a:fillRef idx="0">
+          <a:scrgbClr r="0" g="0" b="0"/>
+        </a:fillRef>
+        <a:effectRef idx="0">
+          <a:scrgbClr r="0" g="0" b="0"/>
+        </a:effectRef>
+        <a:fontRef idx="minor"/>
+      </dsp:style>
+      <dsp:txBody>
+        <a:bodyPr spcFirstLastPara="0" vert="horz" wrap="square" lIns="91440" tIns="91440" rIns="91440" bIns="91440" numCol="1" spcCol="1270" anchor="t" anchorCtr="0">
+          <a:noAutofit/>
+        </a:bodyPr>
+        <a:lstStyle/>
+        <a:p>
+          <a:pPr lvl="0" algn="l" defTabSz="1066800">
+            <a:lnSpc>
+              <a:spcPct val="90000"/>
+            </a:lnSpc>
+            <a:spcBef>
+              <a:spcPct val="0"/>
+            </a:spcBef>
+            <a:spcAft>
+              <a:spcPct val="35000"/>
+            </a:spcAft>
+          </a:pPr>
+          <a:r>
+            <a:rPr lang="en-US" sz="2400" kern="1200" smtClean="0"/>
+            <a:t>Scriptlet Tag</a:t>
+          </a:r>
+          <a:endParaRPr lang="en-IN" sz="2400" kern="1200"/>
+        </a:p>
+      </dsp:txBody>
+      <dsp:txXfrm>
+        <a:off x="1888769" y="1836814"/>
+        <a:ext cx="2210299" cy="748146"/>
+      </dsp:txXfrm>
+    </dsp:sp>
+    <dsp:sp modelId="{39241DEB-5333-4D9A-A5BC-B5B002FFDF9E}">
+      <dsp:nvSpPr>
+        <dsp:cNvPr id="0" name=""/>
+        <dsp:cNvSpPr/>
+      </dsp:nvSpPr>
+      <dsp:spPr>
+        <a:xfrm>
+          <a:off x="1756995" y="2584961"/>
+          <a:ext cx="7027980" cy="0"/>
+        </a:xfrm>
+        <a:prstGeom prst="line">
+          <a:avLst/>
+        </a:prstGeom>
+        <a:solidFill>
+          <a:schemeClr val="accent1">
+            <a:hueOff val="0"/>
+            <a:satOff val="0"/>
+            <a:lumOff val="0"/>
+            <a:alphaOff val="0"/>
+          </a:schemeClr>
+        </a:solidFill>
+        <a:ln w="25400" cap="flat" cmpd="sng" algn="ctr">
+          <a:solidFill>
+            <a:schemeClr val="accent1">
+              <a:tint val="50000"/>
+              <a:hueOff val="0"/>
+              <a:satOff val="0"/>
+              <a:lumOff val="0"/>
+              <a:alphaOff val="0"/>
+            </a:schemeClr>
+          </a:solidFill>
+          <a:prstDash val="solid"/>
+        </a:ln>
+        <a:effectLst/>
+      </dsp:spPr>
+      <dsp:style>
+        <a:lnRef idx="2">
+          <a:scrgbClr r="0" g="0" b="0"/>
+        </a:lnRef>
+        <a:fillRef idx="1">
+          <a:scrgbClr r="0" g="0" b="0"/>
+        </a:fillRef>
+        <a:effectRef idx="0">
+          <a:scrgbClr r="0" g="0" b="0"/>
+        </a:effectRef>
+        <a:fontRef idx="minor"/>
+      </dsp:style>
+    </dsp:sp>
+    <dsp:sp modelId="{CCE0FA9A-1699-48BD-9213-22E032F95771}">
+      <dsp:nvSpPr>
+        <dsp:cNvPr id="0" name=""/>
+        <dsp:cNvSpPr/>
+      </dsp:nvSpPr>
+      <dsp:spPr>
+        <a:xfrm>
+          <a:off x="1888769" y="2711860"/>
+          <a:ext cx="2210299" cy="944890"/>
+        </a:xfrm>
+        <a:prstGeom prst="rect">
+          <a:avLst/>
+        </a:prstGeom>
+        <a:noFill/>
+        <a:ln>
+          <a:noFill/>
+        </a:ln>
+        <a:effectLst/>
+      </dsp:spPr>
+      <dsp:style>
+        <a:lnRef idx="0">
+          <a:scrgbClr r="0" g="0" b="0"/>
+        </a:lnRef>
+        <a:fillRef idx="0">
+          <a:scrgbClr r="0" g="0" b="0"/>
+        </a:fillRef>
+        <a:effectRef idx="0">
+          <a:scrgbClr r="0" g="0" b="0"/>
+        </a:effectRef>
+        <a:fontRef idx="minor"/>
+      </dsp:style>
+      <dsp:txBody>
+        <a:bodyPr spcFirstLastPara="0" vert="horz" wrap="square" lIns="91440" tIns="91440" rIns="91440" bIns="91440" numCol="1" spcCol="1270" anchor="t" anchorCtr="0">
+          <a:noAutofit/>
+        </a:bodyPr>
+        <a:lstStyle/>
+        <a:p>
+          <a:pPr lvl="0" algn="l" defTabSz="1066800">
+            <a:lnSpc>
+              <a:spcPct val="90000"/>
+            </a:lnSpc>
+            <a:spcBef>
+              <a:spcPct val="0"/>
+            </a:spcBef>
+            <a:spcAft>
+              <a:spcPct val="35000"/>
+            </a:spcAft>
+          </a:pPr>
+          <a:r>
+            <a:rPr lang="en-US" sz="2400" kern="1200" smtClean="0"/>
+            <a:t>Action Tag</a:t>
+          </a:r>
+          <a:endParaRPr lang="en-IN" sz="2400" kern="1200"/>
+        </a:p>
+      </dsp:txBody>
+      <dsp:txXfrm>
+        <a:off x="1888769" y="2711860"/>
+        <a:ext cx="2210299" cy="944890"/>
+      </dsp:txXfrm>
+    </dsp:sp>
+    <dsp:sp modelId="{03F71D1C-52E7-45E9-95DC-5D8FB444915D}">
+      <dsp:nvSpPr>
+        <dsp:cNvPr id="0" name=""/>
+        <dsp:cNvSpPr/>
+      </dsp:nvSpPr>
+      <dsp:spPr>
+        <a:xfrm>
+          <a:off x="4176471" y="2567779"/>
+          <a:ext cx="2210299" cy="368591"/>
+        </a:xfrm>
+        <a:prstGeom prst="rect">
+          <a:avLst/>
+        </a:prstGeom>
+        <a:noFill/>
+        <a:ln>
+          <a:noFill/>
+        </a:ln>
+        <a:effectLst/>
+      </dsp:spPr>
+      <dsp:style>
+        <a:lnRef idx="0">
+          <a:scrgbClr r="0" g="0" b="0"/>
+        </a:lnRef>
+        <a:fillRef idx="0">
+          <a:scrgbClr r="0" g="0" b="0"/>
+        </a:fillRef>
+        <a:effectRef idx="0">
+          <a:scrgbClr r="0" g="0" b="0"/>
+        </a:effectRef>
+        <a:fontRef idx="minor"/>
+      </dsp:style>
+      <dsp:txBody>
+        <a:bodyPr spcFirstLastPara="0" vert="horz" wrap="square" lIns="68580" tIns="68580" rIns="68580" bIns="68580" numCol="1" spcCol="1270" anchor="t" anchorCtr="0">
+          <a:noAutofit/>
+        </a:bodyPr>
+        <a:lstStyle/>
+        <a:p>
+          <a:pPr lvl="0" algn="l" defTabSz="800100">
+            <a:lnSpc>
+              <a:spcPct val="90000"/>
+            </a:lnSpc>
+            <a:spcBef>
+              <a:spcPct val="0"/>
+            </a:spcBef>
+            <a:spcAft>
+              <a:spcPct val="35000"/>
+            </a:spcAft>
+          </a:pPr>
+          <a:r>
+            <a:rPr lang="en-US" sz="1800" kern="1200" smtClean="0"/>
+            <a:t>Include Action</a:t>
+          </a:r>
+          <a:endParaRPr lang="en-IN" sz="1800" kern="1200"/>
+        </a:p>
+      </dsp:txBody>
+      <dsp:txXfrm>
+        <a:off x="4176471" y="2567779"/>
+        <a:ext cx="2210299" cy="368591"/>
+      </dsp:txXfrm>
+    </dsp:sp>
+    <dsp:sp modelId="{EAF9631E-B57D-49FF-8891-7216FCA17ADF}">
+      <dsp:nvSpPr>
+        <dsp:cNvPr id="0" name=""/>
+        <dsp:cNvSpPr/>
+      </dsp:nvSpPr>
+      <dsp:spPr>
+        <a:xfrm>
+          <a:off x="4100826" y="2986188"/>
+          <a:ext cx="4684149" cy="0"/>
+        </a:xfrm>
+        <a:prstGeom prst="line">
+          <a:avLst/>
+        </a:prstGeom>
+        <a:solidFill>
+          <a:schemeClr val="accent1">
+            <a:hueOff val="0"/>
+            <a:satOff val="0"/>
+            <a:lumOff val="0"/>
+            <a:alphaOff val="0"/>
+          </a:schemeClr>
+        </a:solidFill>
+        <a:ln w="25400" cap="flat" cmpd="sng" algn="ctr">
+          <a:solidFill>
+            <a:schemeClr val="accent1">
+              <a:tint val="50000"/>
+              <a:hueOff val="0"/>
+              <a:satOff val="0"/>
+              <a:lumOff val="0"/>
+              <a:alphaOff val="0"/>
+            </a:schemeClr>
+          </a:solidFill>
+          <a:prstDash val="solid"/>
+        </a:ln>
+        <a:effectLst/>
+      </dsp:spPr>
+      <dsp:style>
+        <a:lnRef idx="2">
+          <a:scrgbClr r="0" g="0" b="0"/>
+        </a:lnRef>
+        <a:fillRef idx="1">
+          <a:scrgbClr r="0" g="0" b="0"/>
+        </a:fillRef>
+        <a:effectRef idx="0">
+          <a:scrgbClr r="0" g="0" b="0"/>
+        </a:effectRef>
+        <a:fontRef idx="minor"/>
+      </dsp:style>
+    </dsp:sp>
+    <dsp:sp modelId="{55EEFA35-58E9-46AC-AC62-F13AB1DB4C2E}">
+      <dsp:nvSpPr>
+        <dsp:cNvPr id="0" name=""/>
+        <dsp:cNvSpPr/>
+      </dsp:nvSpPr>
+      <dsp:spPr>
+        <a:xfrm>
+          <a:off x="4176471" y="2987789"/>
+          <a:ext cx="2210299" cy="336231"/>
+        </a:xfrm>
+        <a:prstGeom prst="rect">
+          <a:avLst/>
+        </a:prstGeom>
+        <a:noFill/>
+        <a:ln>
+          <a:noFill/>
+        </a:ln>
+        <a:effectLst/>
+      </dsp:spPr>
+      <dsp:style>
+        <a:lnRef idx="0">
+          <a:scrgbClr r="0" g="0" b="0"/>
+        </a:lnRef>
+        <a:fillRef idx="0">
+          <a:scrgbClr r="0" g="0" b="0"/>
+        </a:fillRef>
+        <a:effectRef idx="0">
+          <a:scrgbClr r="0" g="0" b="0"/>
+        </a:effectRef>
+        <a:fontRef idx="minor"/>
+      </dsp:style>
+      <dsp:txBody>
+        <a:bodyPr spcFirstLastPara="0" vert="horz" wrap="square" lIns="68580" tIns="68580" rIns="68580" bIns="68580" numCol="1" spcCol="1270" anchor="t" anchorCtr="0">
+          <a:noAutofit/>
+        </a:bodyPr>
+        <a:lstStyle/>
+        <a:p>
+          <a:pPr lvl="0" algn="l" defTabSz="800100">
+            <a:lnSpc>
+              <a:spcPct val="90000"/>
+            </a:lnSpc>
+            <a:spcBef>
+              <a:spcPct val="0"/>
+            </a:spcBef>
+            <a:spcAft>
+              <a:spcPct val="35000"/>
+            </a:spcAft>
+          </a:pPr>
+          <a:r>
+            <a:rPr lang="en-US" sz="1800" kern="1200" smtClean="0"/>
+            <a:t>Forward Action</a:t>
+          </a:r>
+          <a:endParaRPr lang="en-IN" sz="1800" kern="1200"/>
+        </a:p>
+      </dsp:txBody>
+      <dsp:txXfrm>
+        <a:off x="4176471" y="2987789"/>
+        <a:ext cx="2210299" cy="336231"/>
+      </dsp:txXfrm>
+    </dsp:sp>
+    <dsp:sp modelId="{FB9A7791-8308-4A0C-B210-A522A9CB0092}">
+      <dsp:nvSpPr>
+        <dsp:cNvPr id="0" name=""/>
+        <dsp:cNvSpPr/>
+      </dsp:nvSpPr>
+      <dsp:spPr>
+        <a:xfrm>
+          <a:off x="4099069" y="3416683"/>
+          <a:ext cx="4684149" cy="0"/>
+        </a:xfrm>
+        <a:prstGeom prst="line">
+          <a:avLst/>
+        </a:prstGeom>
+        <a:solidFill>
+          <a:schemeClr val="accent1">
+            <a:hueOff val="0"/>
+            <a:satOff val="0"/>
+            <a:lumOff val="0"/>
+            <a:alphaOff val="0"/>
+          </a:schemeClr>
+        </a:solidFill>
+        <a:ln w="25400" cap="flat" cmpd="sng" algn="ctr">
+          <a:solidFill>
+            <a:schemeClr val="accent1">
+              <a:tint val="50000"/>
+              <a:hueOff val="0"/>
+              <a:satOff val="0"/>
+              <a:lumOff val="0"/>
+              <a:alphaOff val="0"/>
+            </a:schemeClr>
+          </a:solidFill>
+          <a:prstDash val="solid"/>
+        </a:ln>
+        <a:effectLst/>
+      </dsp:spPr>
+      <dsp:style>
+        <a:lnRef idx="2">
+          <a:scrgbClr r="0" g="0" b="0"/>
+        </a:lnRef>
+        <a:fillRef idx="1">
+          <a:scrgbClr r="0" g="0" b="0"/>
+        </a:fillRef>
+        <a:effectRef idx="0">
+          <a:scrgbClr r="0" g="0" b="0"/>
+        </a:effectRef>
+        <a:fontRef idx="minor"/>
+      </dsp:style>
+    </dsp:sp>
+    <dsp:sp modelId="{55C9695D-B5C1-4239-ABAB-D1D19DE97834}">
+      <dsp:nvSpPr>
+        <dsp:cNvPr id="0" name=""/>
+        <dsp:cNvSpPr/>
+      </dsp:nvSpPr>
+      <dsp:spPr>
+        <a:xfrm>
+          <a:off x="4230844" y="3416683"/>
+          <a:ext cx="2210299" cy="341028"/>
+        </a:xfrm>
+        <a:prstGeom prst="rect">
+          <a:avLst/>
+        </a:prstGeom>
+        <a:noFill/>
+        <a:ln>
+          <a:noFill/>
+        </a:ln>
+        <a:effectLst/>
+      </dsp:spPr>
+      <dsp:style>
+        <a:lnRef idx="0">
+          <a:scrgbClr r="0" g="0" b="0"/>
+        </a:lnRef>
+        <a:fillRef idx="0">
+          <a:scrgbClr r="0" g="0" b="0"/>
+        </a:fillRef>
+        <a:effectRef idx="0">
+          <a:scrgbClr r="0" g="0" b="0"/>
+        </a:effectRef>
+        <a:fontRef idx="minor"/>
+      </dsp:style>
+      <dsp:txBody>
+        <a:bodyPr spcFirstLastPara="0" vert="horz" wrap="square" lIns="68580" tIns="68580" rIns="68580" bIns="68580" numCol="1" spcCol="1270" anchor="t" anchorCtr="0">
+          <a:noAutofit/>
+        </a:bodyPr>
+        <a:lstStyle/>
+        <a:p>
+          <a:pPr lvl="0" algn="l" defTabSz="800100">
+            <a:lnSpc>
+              <a:spcPct val="90000"/>
+            </a:lnSpc>
+            <a:spcBef>
+              <a:spcPct val="0"/>
+            </a:spcBef>
+            <a:spcAft>
+              <a:spcPct val="35000"/>
+            </a:spcAft>
+          </a:pPr>
+          <a:r>
+            <a:rPr lang="en-US" sz="1800" kern="1200" smtClean="0"/>
+            <a:t>Use Bean action</a:t>
+          </a:r>
+          <a:endParaRPr lang="en-IN" sz="1800" kern="1200"/>
+        </a:p>
+      </dsp:txBody>
+      <dsp:txXfrm>
+        <a:off x="4230844" y="3416683"/>
+        <a:ext cx="2210299" cy="341028"/>
+      </dsp:txXfrm>
+    </dsp:sp>
+    <dsp:sp modelId="{8AFC49EE-054E-4DD8-BCBF-B6ACB180A2CC}">
+      <dsp:nvSpPr>
+        <dsp:cNvPr id="0" name=""/>
+        <dsp:cNvSpPr/>
+      </dsp:nvSpPr>
+      <dsp:spPr>
+        <a:xfrm>
+          <a:off x="1756995" y="3757711"/>
+          <a:ext cx="7027980" cy="0"/>
+        </a:xfrm>
+        <a:prstGeom prst="line">
+          <a:avLst/>
+        </a:prstGeom>
+        <a:solidFill>
+          <a:schemeClr val="accent1">
+            <a:hueOff val="0"/>
+            <a:satOff val="0"/>
+            <a:lumOff val="0"/>
+            <a:alphaOff val="0"/>
+          </a:schemeClr>
+        </a:solidFill>
+        <a:ln w="25400" cap="flat" cmpd="sng" algn="ctr">
+          <a:solidFill>
+            <a:schemeClr val="accent1">
+              <a:tint val="50000"/>
+              <a:hueOff val="0"/>
+              <a:satOff val="0"/>
+              <a:lumOff val="0"/>
+              <a:alphaOff val="0"/>
+            </a:schemeClr>
+          </a:solidFill>
+          <a:prstDash val="solid"/>
+        </a:ln>
+        <a:effectLst/>
+      </dsp:spPr>
+      <dsp:style>
+        <a:lnRef idx="2">
+          <a:scrgbClr r="0" g="0" b="0"/>
+        </a:lnRef>
+        <a:fillRef idx="1">
+          <a:scrgbClr r="0" g="0" b="0"/>
+        </a:fillRef>
+        <a:effectRef idx="0">
+          <a:scrgbClr r="0" g="0" b="0"/>
+        </a:effectRef>
+        <a:fontRef idx="minor"/>
+      </dsp:style>
+    </dsp:sp>
+    <dsp:sp modelId="{FDD34689-47E6-47F4-87C9-73FAFDF07A4B}">
+      <dsp:nvSpPr>
+        <dsp:cNvPr id="0" name=""/>
+        <dsp:cNvSpPr/>
+      </dsp:nvSpPr>
+      <dsp:spPr>
+        <a:xfrm>
+          <a:off x="1888769" y="3884610"/>
+          <a:ext cx="2210299" cy="755963"/>
+        </a:xfrm>
+        <a:prstGeom prst="rect">
+          <a:avLst/>
+        </a:prstGeom>
+        <a:noFill/>
+        <a:ln>
+          <a:noFill/>
+        </a:ln>
+        <a:effectLst/>
+      </dsp:spPr>
+      <dsp:style>
+        <a:lnRef idx="0">
+          <a:scrgbClr r="0" g="0" b="0"/>
+        </a:lnRef>
+        <a:fillRef idx="0">
+          <a:scrgbClr r="0" g="0" b="0"/>
+        </a:fillRef>
+        <a:effectRef idx="0">
+          <a:scrgbClr r="0" g="0" b="0"/>
+        </a:effectRef>
+        <a:fontRef idx="minor"/>
+      </dsp:style>
+      <dsp:txBody>
+        <a:bodyPr spcFirstLastPara="0" vert="horz" wrap="square" lIns="91440" tIns="91440" rIns="91440" bIns="91440" numCol="1" spcCol="1270" anchor="t" anchorCtr="0">
+          <a:noAutofit/>
+        </a:bodyPr>
+        <a:lstStyle/>
+        <a:p>
+          <a:pPr lvl="0" algn="l" defTabSz="1066800">
+            <a:lnSpc>
+              <a:spcPct val="90000"/>
+            </a:lnSpc>
+            <a:spcBef>
+              <a:spcPct val="0"/>
+            </a:spcBef>
+            <a:spcAft>
+              <a:spcPct val="35000"/>
+            </a:spcAft>
+          </a:pPr>
+          <a:r>
+            <a:rPr lang="en-US" sz="2400" kern="1200" smtClean="0"/>
+            <a:t>Directive Tag</a:t>
+          </a:r>
+          <a:endParaRPr lang="en-IN" sz="2400" kern="1200"/>
+        </a:p>
+      </dsp:txBody>
+      <dsp:txXfrm>
+        <a:off x="1888769" y="3884610"/>
+        <a:ext cx="2210299" cy="755963"/>
+      </dsp:txXfrm>
+    </dsp:sp>
+    <dsp:sp modelId="{3E57D97D-5DB7-44FF-BD77-8F1BADD4C3CD}">
+      <dsp:nvSpPr>
+        <dsp:cNvPr id="0" name=""/>
+        <dsp:cNvSpPr/>
+      </dsp:nvSpPr>
+      <dsp:spPr>
+        <a:xfrm>
+          <a:off x="4230844" y="3739112"/>
+          <a:ext cx="2210299" cy="298057"/>
+        </a:xfrm>
+        <a:prstGeom prst="rect">
+          <a:avLst/>
+        </a:prstGeom>
+        <a:noFill/>
+        <a:ln>
+          <a:noFill/>
+        </a:ln>
+        <a:effectLst/>
+      </dsp:spPr>
+      <dsp:style>
+        <a:lnRef idx="0">
+          <a:scrgbClr r="0" g="0" b="0"/>
+        </a:lnRef>
+        <a:fillRef idx="0">
+          <a:scrgbClr r="0" g="0" b="0"/>
+        </a:fillRef>
+        <a:effectRef idx="0">
+          <a:scrgbClr r="0" g="0" b="0"/>
+        </a:effectRef>
+        <a:fontRef idx="minor"/>
+      </dsp:style>
+      <dsp:txBody>
+        <a:bodyPr spcFirstLastPara="0" vert="horz" wrap="square" lIns="68580" tIns="68580" rIns="68580" bIns="68580" numCol="1" spcCol="1270" anchor="t" anchorCtr="0">
+          <a:noAutofit/>
+        </a:bodyPr>
+        <a:lstStyle/>
+        <a:p>
+          <a:pPr lvl="0" algn="l" defTabSz="800100">
+            <a:lnSpc>
+              <a:spcPct val="90000"/>
+            </a:lnSpc>
+            <a:spcBef>
+              <a:spcPct val="0"/>
+            </a:spcBef>
+            <a:spcAft>
+              <a:spcPct val="35000"/>
+            </a:spcAft>
+          </a:pPr>
+          <a:r>
+            <a:rPr lang="en-US" sz="1800" kern="1200" smtClean="0"/>
+            <a:t>Include Directive</a:t>
+          </a:r>
+          <a:endParaRPr lang="en-IN" sz="1800" kern="1200"/>
+        </a:p>
+      </dsp:txBody>
+      <dsp:txXfrm>
+        <a:off x="4230844" y="3739112"/>
+        <a:ext cx="2210299" cy="298057"/>
+      </dsp:txXfrm>
+    </dsp:sp>
+    <dsp:sp modelId="{0C7EB07C-DE77-441F-B335-1D549606A4F7}">
+      <dsp:nvSpPr>
+        <dsp:cNvPr id="0" name=""/>
+        <dsp:cNvSpPr/>
+      </dsp:nvSpPr>
+      <dsp:spPr>
+        <a:xfrm>
+          <a:off x="4099069" y="4176463"/>
+          <a:ext cx="4684149" cy="0"/>
+        </a:xfrm>
+        <a:prstGeom prst="line">
+          <a:avLst/>
+        </a:prstGeom>
+        <a:solidFill>
+          <a:schemeClr val="accent1">
+            <a:hueOff val="0"/>
+            <a:satOff val="0"/>
+            <a:lumOff val="0"/>
+            <a:alphaOff val="0"/>
+          </a:schemeClr>
+        </a:solidFill>
+        <a:ln w="25400" cap="flat" cmpd="sng" algn="ctr">
+          <a:solidFill>
+            <a:schemeClr val="accent1">
+              <a:tint val="50000"/>
+              <a:hueOff val="0"/>
+              <a:satOff val="0"/>
+              <a:lumOff val="0"/>
+              <a:alphaOff val="0"/>
+            </a:schemeClr>
+          </a:solidFill>
+          <a:prstDash val="solid"/>
+        </a:ln>
+        <a:effectLst/>
+      </dsp:spPr>
+      <dsp:style>
+        <a:lnRef idx="2">
+          <a:scrgbClr r="0" g="0" b="0"/>
+        </a:lnRef>
+        <a:fillRef idx="1">
+          <a:scrgbClr r="0" g="0" b="0"/>
+        </a:fillRef>
+        <a:effectRef idx="0">
+          <a:scrgbClr r="0" g="0" b="0"/>
+        </a:effectRef>
+        <a:fontRef idx="minor"/>
+      </dsp:style>
+    </dsp:sp>
+    <dsp:sp modelId="{EC65159F-92D8-43A9-81D5-73F701EDF557}">
+      <dsp:nvSpPr>
+        <dsp:cNvPr id="0" name=""/>
+        <dsp:cNvSpPr/>
+      </dsp:nvSpPr>
+      <dsp:spPr>
+        <a:xfrm>
+          <a:off x="4230844" y="4182668"/>
+          <a:ext cx="2210299" cy="404196"/>
+        </a:xfrm>
+        <a:prstGeom prst="rect">
+          <a:avLst/>
+        </a:prstGeom>
+        <a:noFill/>
+        <a:ln>
+          <a:noFill/>
+        </a:ln>
+        <a:effectLst/>
+      </dsp:spPr>
+      <dsp:style>
+        <a:lnRef idx="0">
+          <a:scrgbClr r="0" g="0" b="0"/>
+        </a:lnRef>
+        <a:fillRef idx="0">
+          <a:scrgbClr r="0" g="0" b="0"/>
+        </a:fillRef>
+        <a:effectRef idx="0">
+          <a:scrgbClr r="0" g="0" b="0"/>
+        </a:effectRef>
+        <a:fontRef idx="minor"/>
+      </dsp:style>
+      <dsp:txBody>
+        <a:bodyPr spcFirstLastPara="0" vert="horz" wrap="square" lIns="68580" tIns="68580" rIns="68580" bIns="68580" numCol="1" spcCol="1270" anchor="t" anchorCtr="0">
+          <a:noAutofit/>
+        </a:bodyPr>
+        <a:lstStyle/>
+        <a:p>
+          <a:pPr lvl="0" algn="l" defTabSz="800100">
+            <a:lnSpc>
+              <a:spcPct val="90000"/>
+            </a:lnSpc>
+            <a:spcBef>
+              <a:spcPct val="0"/>
+            </a:spcBef>
+            <a:spcAft>
+              <a:spcPct val="35000"/>
+            </a:spcAft>
+          </a:pPr>
+          <a:r>
+            <a:rPr lang="en-US" sz="1800" kern="1200" smtClean="0"/>
+            <a:t>Tag Lib  Directive</a:t>
+          </a:r>
+          <a:endParaRPr lang="en-IN" sz="1800" kern="1200"/>
+        </a:p>
+      </dsp:txBody>
+      <dsp:txXfrm>
+        <a:off x="4230844" y="4182668"/>
+        <a:ext cx="2210299" cy="404196"/>
+      </dsp:txXfrm>
+    </dsp:sp>
+    <dsp:sp modelId="{BA61FDB8-D2AB-48A6-8B97-2B491F9BFF3C}">
+      <dsp:nvSpPr>
+        <dsp:cNvPr id="0" name=""/>
+        <dsp:cNvSpPr/>
+      </dsp:nvSpPr>
+      <dsp:spPr>
+        <a:xfrm>
+          <a:off x="4099069" y="4586864"/>
+          <a:ext cx="4684149" cy="0"/>
+        </a:xfrm>
+        <a:prstGeom prst="line">
+          <a:avLst/>
+        </a:prstGeom>
+        <a:solidFill>
+          <a:schemeClr val="accent1">
+            <a:hueOff val="0"/>
+            <a:satOff val="0"/>
+            <a:lumOff val="0"/>
+            <a:alphaOff val="0"/>
+          </a:schemeClr>
+        </a:solidFill>
+        <a:ln w="25400" cap="flat" cmpd="sng" algn="ctr">
+          <a:solidFill>
+            <a:schemeClr val="accent1">
+              <a:tint val="50000"/>
+              <a:hueOff val="0"/>
+              <a:satOff val="0"/>
+              <a:lumOff val="0"/>
+              <a:alphaOff val="0"/>
+            </a:schemeClr>
+          </a:solidFill>
+          <a:prstDash val="solid"/>
+        </a:ln>
+        <a:effectLst/>
+      </dsp:spPr>
+      <dsp:style>
+        <a:lnRef idx="2">
+          <a:scrgbClr r="0" g="0" b="0"/>
+        </a:lnRef>
+        <a:fillRef idx="1">
+          <a:scrgbClr r="0" g="0" b="0"/>
+        </a:fillRef>
+        <a:effectRef idx="0">
+          <a:scrgbClr r="0" g="0" b="0"/>
+        </a:effectRef>
+        <a:fontRef idx="minor"/>
+      </dsp:style>
+    </dsp:sp>
+    <dsp:sp modelId="{5CBFEE1F-91F2-4C25-A44B-5F54E616125A}">
+      <dsp:nvSpPr>
+        <dsp:cNvPr id="0" name=""/>
+        <dsp:cNvSpPr/>
+      </dsp:nvSpPr>
+      <dsp:spPr>
+        <a:xfrm>
+          <a:off x="4230844" y="4586864"/>
+          <a:ext cx="2210299" cy="276653"/>
+        </a:xfrm>
+        <a:prstGeom prst="rect">
+          <a:avLst/>
+        </a:prstGeom>
+        <a:noFill/>
+        <a:ln>
+          <a:noFill/>
+        </a:ln>
+        <a:effectLst/>
+      </dsp:spPr>
+      <dsp:style>
+        <a:lnRef idx="0">
+          <a:scrgbClr r="0" g="0" b="0"/>
+        </a:lnRef>
+        <a:fillRef idx="0">
+          <a:scrgbClr r="0" g="0" b="0"/>
+        </a:fillRef>
+        <a:effectRef idx="0">
+          <a:scrgbClr r="0" g="0" b="0"/>
+        </a:effectRef>
+        <a:fontRef idx="minor"/>
+      </dsp:style>
+      <dsp:txBody>
+        <a:bodyPr spcFirstLastPara="0" vert="horz" wrap="square" lIns="68580" tIns="68580" rIns="68580" bIns="68580" numCol="1" spcCol="1270" anchor="t" anchorCtr="0">
+          <a:noAutofit/>
+        </a:bodyPr>
+        <a:lstStyle/>
+        <a:p>
+          <a:pPr lvl="0" algn="l" defTabSz="800100">
+            <a:lnSpc>
+              <a:spcPct val="90000"/>
+            </a:lnSpc>
+            <a:spcBef>
+              <a:spcPct val="0"/>
+            </a:spcBef>
+            <a:spcAft>
+              <a:spcPct val="35000"/>
+            </a:spcAft>
+          </a:pPr>
+          <a:r>
+            <a:rPr lang="en-US" sz="1800" kern="1200" smtClean="0"/>
+            <a:t>Page Directive</a:t>
+          </a:r>
+          <a:endParaRPr lang="en-IN" sz="1800" kern="1200"/>
+        </a:p>
+      </dsp:txBody>
+      <dsp:txXfrm>
+        <a:off x="4230844" y="4586864"/>
+        <a:ext cx="2210299" cy="276653"/>
+      </dsp:txXfrm>
+    </dsp:sp>
+    <dsp:sp modelId="{416CD987-6923-4EAD-B86E-635212A1129F}">
+      <dsp:nvSpPr>
+        <dsp:cNvPr id="0" name=""/>
+        <dsp:cNvSpPr/>
+      </dsp:nvSpPr>
+      <dsp:spPr>
+        <a:xfrm>
+          <a:off x="6572919" y="4586864"/>
+          <a:ext cx="2210299" cy="203737"/>
+        </a:xfrm>
+        <a:prstGeom prst="rect">
+          <a:avLst/>
+        </a:prstGeom>
+        <a:noFill/>
+        <a:ln>
+          <a:noFill/>
+        </a:ln>
+        <a:effectLst/>
+      </dsp:spPr>
+      <dsp:style>
+        <a:lnRef idx="0">
+          <a:scrgbClr r="0" g="0" b="0"/>
+        </a:lnRef>
+        <a:fillRef idx="0">
+          <a:scrgbClr r="0" g="0" b="0"/>
+        </a:fillRef>
+        <a:effectRef idx="0">
+          <a:scrgbClr r="0" g="0" b="0"/>
+        </a:effectRef>
+        <a:fontRef idx="minor"/>
+      </dsp:style>
+      <dsp:txBody>
+        <a:bodyPr spcFirstLastPara="0" vert="horz" wrap="square" lIns="34290" tIns="34290" rIns="34290" bIns="34290" numCol="1" spcCol="1270" anchor="t" anchorCtr="0">
+          <a:noAutofit/>
+        </a:bodyPr>
+        <a:lstStyle/>
+        <a:p>
+          <a:pPr lvl="0" algn="l" defTabSz="400050">
+            <a:lnSpc>
+              <a:spcPct val="90000"/>
+            </a:lnSpc>
+            <a:spcBef>
+              <a:spcPct val="0"/>
+            </a:spcBef>
+            <a:spcAft>
+              <a:spcPct val="35000"/>
+            </a:spcAft>
+          </a:pPr>
+          <a:r>
+            <a:rPr lang="en-IN" sz="900" kern="1200" smtClean="0"/>
+            <a:t>language</a:t>
+          </a:r>
+          <a:endParaRPr lang="en-IN" sz="900" kern="1200"/>
+        </a:p>
+      </dsp:txBody>
+      <dsp:txXfrm>
+        <a:off x="6572919" y="4586864"/>
+        <a:ext cx="2210299" cy="203737"/>
+      </dsp:txXfrm>
+    </dsp:sp>
+    <dsp:sp modelId="{E1893AA1-687E-4083-A66F-387FA7ECC23E}">
+      <dsp:nvSpPr>
+        <dsp:cNvPr id="0" name=""/>
+        <dsp:cNvSpPr/>
+      </dsp:nvSpPr>
+      <dsp:spPr>
+        <a:xfrm>
+          <a:off x="6572919" y="4790602"/>
+          <a:ext cx="2210299" cy="203737"/>
+        </a:xfrm>
+        <a:prstGeom prst="rect">
+          <a:avLst/>
+        </a:prstGeom>
+        <a:noFill/>
+        <a:ln>
+          <a:noFill/>
+        </a:ln>
+        <a:effectLst/>
+      </dsp:spPr>
+      <dsp:style>
+        <a:lnRef idx="0">
+          <a:scrgbClr r="0" g="0" b="0"/>
+        </a:lnRef>
+        <a:fillRef idx="0">
+          <a:scrgbClr r="0" g="0" b="0"/>
+        </a:fillRef>
+        <a:effectRef idx="0">
+          <a:scrgbClr r="0" g="0" b="0"/>
+        </a:effectRef>
+        <a:fontRef idx="minor"/>
+      </dsp:style>
+      <dsp:txBody>
+        <a:bodyPr spcFirstLastPara="0" vert="horz" wrap="square" lIns="34290" tIns="34290" rIns="34290" bIns="34290" numCol="1" spcCol="1270" anchor="t" anchorCtr="0">
+          <a:noAutofit/>
+        </a:bodyPr>
+        <a:lstStyle/>
+        <a:p>
+          <a:pPr lvl="0" algn="l" defTabSz="400050">
+            <a:lnSpc>
+              <a:spcPct val="90000"/>
+            </a:lnSpc>
+            <a:spcBef>
+              <a:spcPct val="0"/>
+            </a:spcBef>
+            <a:spcAft>
+              <a:spcPct val="35000"/>
+            </a:spcAft>
+          </a:pPr>
+          <a:r>
+            <a:rPr lang="en-US" sz="900" kern="1200" smtClean="0"/>
+            <a:t>info</a:t>
+          </a:r>
+          <a:endParaRPr lang="en-IN" sz="900" kern="1200"/>
+        </a:p>
+      </dsp:txBody>
+      <dsp:txXfrm>
+        <a:off x="6572919" y="4790602"/>
+        <a:ext cx="2210299" cy="203737"/>
+      </dsp:txXfrm>
+    </dsp:sp>
+    <dsp:sp modelId="{E1A44A8A-9C2E-4F3D-9B24-CA9A347C2373}">
+      <dsp:nvSpPr>
+        <dsp:cNvPr id="0" name=""/>
+        <dsp:cNvSpPr/>
+      </dsp:nvSpPr>
+      <dsp:spPr>
+        <a:xfrm>
+          <a:off x="6572919" y="4994340"/>
+          <a:ext cx="2210299" cy="203737"/>
+        </a:xfrm>
+        <a:prstGeom prst="rect">
+          <a:avLst/>
+        </a:prstGeom>
+        <a:noFill/>
+        <a:ln>
+          <a:noFill/>
+        </a:ln>
+        <a:effectLst/>
+      </dsp:spPr>
+      <dsp:style>
+        <a:lnRef idx="0">
+          <a:scrgbClr r="0" g="0" b="0"/>
+        </a:lnRef>
+        <a:fillRef idx="0">
+          <a:scrgbClr r="0" g="0" b="0"/>
+        </a:fillRef>
+        <a:effectRef idx="0">
+          <a:scrgbClr r="0" g="0" b="0"/>
+        </a:effectRef>
+        <a:fontRef idx="minor"/>
+      </dsp:style>
+      <dsp:txBody>
+        <a:bodyPr spcFirstLastPara="0" vert="horz" wrap="square" lIns="34290" tIns="34290" rIns="34290" bIns="34290" numCol="1" spcCol="1270" anchor="t" anchorCtr="0">
+          <a:noAutofit/>
+        </a:bodyPr>
+        <a:lstStyle/>
+        <a:p>
+          <a:pPr lvl="0" algn="l" defTabSz="400050">
+            <a:lnSpc>
+              <a:spcPct val="90000"/>
+            </a:lnSpc>
+            <a:spcBef>
+              <a:spcPct val="0"/>
+            </a:spcBef>
+            <a:spcAft>
+              <a:spcPct val="35000"/>
+            </a:spcAft>
+          </a:pPr>
+          <a:r>
+            <a:rPr lang="en-IN" sz="900" b="1" kern="1200" smtClean="0"/>
+            <a:t>contentType</a:t>
+          </a:r>
+          <a:endParaRPr lang="en-IN" sz="900" kern="1200"/>
+        </a:p>
+      </dsp:txBody>
+      <dsp:txXfrm>
+        <a:off x="6572919" y="4994340"/>
+        <a:ext cx="2210299" cy="203737"/>
+      </dsp:txXfrm>
+    </dsp:sp>
+    <dsp:sp modelId="{B05CE4E5-CFE1-4B66-A141-3243BAED9E53}">
+      <dsp:nvSpPr>
+        <dsp:cNvPr id="0" name=""/>
+        <dsp:cNvSpPr/>
+      </dsp:nvSpPr>
+      <dsp:spPr>
+        <a:xfrm>
+          <a:off x="6572919" y="5198078"/>
+          <a:ext cx="2210299" cy="203737"/>
+        </a:xfrm>
+        <a:prstGeom prst="rect">
+          <a:avLst/>
+        </a:prstGeom>
+        <a:noFill/>
+        <a:ln>
+          <a:noFill/>
+        </a:ln>
+        <a:effectLst/>
+      </dsp:spPr>
+      <dsp:style>
+        <a:lnRef idx="0">
+          <a:scrgbClr r="0" g="0" b="0"/>
+        </a:lnRef>
+        <a:fillRef idx="0">
+          <a:scrgbClr r="0" g="0" b="0"/>
+        </a:fillRef>
+        <a:effectRef idx="0">
+          <a:scrgbClr r="0" g="0" b="0"/>
+        </a:effectRef>
+        <a:fontRef idx="minor"/>
+      </dsp:style>
+      <dsp:txBody>
+        <a:bodyPr spcFirstLastPara="0" vert="horz" wrap="square" lIns="34290" tIns="34290" rIns="34290" bIns="34290" numCol="1" spcCol="1270" anchor="t" anchorCtr="0">
+          <a:noAutofit/>
+        </a:bodyPr>
+        <a:lstStyle/>
+        <a:p>
+          <a:pPr lvl="0" algn="l" defTabSz="400050">
+            <a:lnSpc>
+              <a:spcPct val="90000"/>
+            </a:lnSpc>
+            <a:spcBef>
+              <a:spcPct val="0"/>
+            </a:spcBef>
+            <a:spcAft>
+              <a:spcPct val="35000"/>
+            </a:spcAft>
+          </a:pPr>
+          <a:r>
+            <a:rPr lang="en-IN" sz="900" b="1" kern="1200" smtClean="0"/>
+            <a:t>import</a:t>
+          </a:r>
+          <a:endParaRPr lang="en-IN" sz="900" kern="1200"/>
+        </a:p>
+      </dsp:txBody>
+      <dsp:txXfrm>
+        <a:off x="6572919" y="5198078"/>
+        <a:ext cx="2210299" cy="203737"/>
+      </dsp:txXfrm>
+    </dsp:sp>
+    <dsp:sp modelId="{58386BAA-78BD-4B1F-9A60-D1A0DA65D642}">
+      <dsp:nvSpPr>
+        <dsp:cNvPr id="0" name=""/>
+        <dsp:cNvSpPr/>
+      </dsp:nvSpPr>
+      <dsp:spPr>
+        <a:xfrm>
+          <a:off x="6572919" y="5401815"/>
+          <a:ext cx="2210299" cy="203737"/>
+        </a:xfrm>
+        <a:prstGeom prst="rect">
+          <a:avLst/>
+        </a:prstGeom>
+        <a:noFill/>
+        <a:ln>
+          <a:noFill/>
+        </a:ln>
+        <a:effectLst/>
+      </dsp:spPr>
+      <dsp:style>
+        <a:lnRef idx="0">
+          <a:scrgbClr r="0" g="0" b="0"/>
+        </a:lnRef>
+        <a:fillRef idx="0">
+          <a:scrgbClr r="0" g="0" b="0"/>
+        </a:fillRef>
+        <a:effectRef idx="0">
+          <a:scrgbClr r="0" g="0" b="0"/>
+        </a:effectRef>
+        <a:fontRef idx="minor"/>
+      </dsp:style>
+      <dsp:txBody>
+        <a:bodyPr spcFirstLastPara="0" vert="horz" wrap="square" lIns="34290" tIns="34290" rIns="34290" bIns="34290" numCol="1" spcCol="1270" anchor="t" anchorCtr="0">
+          <a:noAutofit/>
+        </a:bodyPr>
+        <a:lstStyle/>
+        <a:p>
+          <a:pPr lvl="0" algn="l" defTabSz="400050">
+            <a:lnSpc>
+              <a:spcPct val="90000"/>
+            </a:lnSpc>
+            <a:spcBef>
+              <a:spcPct val="0"/>
+            </a:spcBef>
+            <a:spcAft>
+              <a:spcPct val="35000"/>
+            </a:spcAft>
+          </a:pPr>
+          <a:r>
+            <a:rPr lang="en-IN" sz="900" kern="1200" smtClean="0"/>
+            <a:t>extends</a:t>
+          </a:r>
+          <a:endParaRPr lang="en-IN" sz="900" kern="1200"/>
+        </a:p>
+      </dsp:txBody>
+      <dsp:txXfrm>
+        <a:off x="6572919" y="5401815"/>
+        <a:ext cx="2210299" cy="203737"/>
+      </dsp:txXfrm>
+    </dsp:sp>
+    <dsp:sp modelId="{5E1ECCFA-29FB-4E21-A29E-65B0E8E20154}">
+      <dsp:nvSpPr>
+        <dsp:cNvPr id="0" name=""/>
+        <dsp:cNvSpPr/>
+      </dsp:nvSpPr>
+      <dsp:spPr>
+        <a:xfrm>
+          <a:off x="6572919" y="5605553"/>
+          <a:ext cx="2210299" cy="203737"/>
+        </a:xfrm>
+        <a:prstGeom prst="rect">
+          <a:avLst/>
+        </a:prstGeom>
+        <a:noFill/>
+        <a:ln>
+          <a:noFill/>
+        </a:ln>
+        <a:effectLst/>
+      </dsp:spPr>
+      <dsp:style>
+        <a:lnRef idx="0">
+          <a:scrgbClr r="0" g="0" b="0"/>
+        </a:lnRef>
+        <a:fillRef idx="0">
+          <a:scrgbClr r="0" g="0" b="0"/>
+        </a:fillRef>
+        <a:effectRef idx="0">
+          <a:scrgbClr r="0" g="0" b="0"/>
+        </a:effectRef>
+        <a:fontRef idx="minor"/>
+      </dsp:style>
+      <dsp:txBody>
+        <a:bodyPr spcFirstLastPara="0" vert="horz" wrap="square" lIns="34290" tIns="34290" rIns="34290" bIns="34290" numCol="1" spcCol="1270" anchor="t" anchorCtr="0">
+          <a:noAutofit/>
+        </a:bodyPr>
+        <a:lstStyle/>
+        <a:p>
+          <a:pPr lvl="0" algn="l" defTabSz="400050">
+            <a:lnSpc>
+              <a:spcPct val="90000"/>
+            </a:lnSpc>
+            <a:spcBef>
+              <a:spcPct val="0"/>
+            </a:spcBef>
+            <a:spcAft>
+              <a:spcPct val="35000"/>
+            </a:spcAft>
+          </a:pPr>
+          <a:r>
+            <a:rPr lang="en-IN" sz="900" kern="1200" smtClean="0"/>
+            <a:t>buffer</a:t>
+          </a:r>
+          <a:endParaRPr lang="en-IN" sz="900" kern="1200"/>
+        </a:p>
+      </dsp:txBody>
+      <dsp:txXfrm>
+        <a:off x="6572919" y="5605553"/>
+        <a:ext cx="2210299" cy="203737"/>
+      </dsp:txXfrm>
+    </dsp:sp>
+    <dsp:sp modelId="{668195F6-8BDA-4E9E-ACF0-7E7CF0C1CC92}">
+      <dsp:nvSpPr>
+        <dsp:cNvPr id="0" name=""/>
+        <dsp:cNvSpPr/>
+      </dsp:nvSpPr>
+      <dsp:spPr>
+        <a:xfrm>
+          <a:off x="6572919" y="5809291"/>
+          <a:ext cx="2210299" cy="203737"/>
+        </a:xfrm>
+        <a:prstGeom prst="rect">
+          <a:avLst/>
+        </a:prstGeom>
+        <a:noFill/>
+        <a:ln>
+          <a:noFill/>
+        </a:ln>
+        <a:effectLst/>
+      </dsp:spPr>
+      <dsp:style>
+        <a:lnRef idx="0">
+          <a:scrgbClr r="0" g="0" b="0"/>
+        </a:lnRef>
+        <a:fillRef idx="0">
+          <a:scrgbClr r="0" g="0" b="0"/>
+        </a:fillRef>
+        <a:effectRef idx="0">
+          <a:scrgbClr r="0" g="0" b="0"/>
+        </a:effectRef>
+        <a:fontRef idx="minor"/>
+      </dsp:style>
+      <dsp:txBody>
+        <a:bodyPr spcFirstLastPara="0" vert="horz" wrap="square" lIns="34290" tIns="34290" rIns="34290" bIns="34290" numCol="1" spcCol="1270" anchor="t" anchorCtr="0">
+          <a:noAutofit/>
+        </a:bodyPr>
+        <a:lstStyle/>
+        <a:p>
+          <a:pPr lvl="0" algn="l" defTabSz="400050">
+            <a:lnSpc>
+              <a:spcPct val="90000"/>
+            </a:lnSpc>
+            <a:spcBef>
+              <a:spcPct val="0"/>
+            </a:spcBef>
+            <a:spcAft>
+              <a:spcPct val="35000"/>
+            </a:spcAft>
+          </a:pPr>
+          <a:r>
+            <a:rPr lang="en-IN" sz="900" kern="1200" smtClean="0"/>
+            <a:t>autoFlush</a:t>
+          </a:r>
+          <a:endParaRPr lang="en-IN" sz="900" kern="1200"/>
+        </a:p>
+      </dsp:txBody>
+      <dsp:txXfrm>
+        <a:off x="6572919" y="5809291"/>
+        <a:ext cx="2210299" cy="203737"/>
+      </dsp:txXfrm>
+    </dsp:sp>
+    <dsp:sp modelId="{373302D5-1E5B-4FA1-B4E0-337BD755D1DA}">
+      <dsp:nvSpPr>
+        <dsp:cNvPr id="0" name=""/>
+        <dsp:cNvSpPr/>
+      </dsp:nvSpPr>
+      <dsp:spPr>
+        <a:xfrm>
+          <a:off x="6572919" y="6013029"/>
+          <a:ext cx="2210299" cy="203737"/>
+        </a:xfrm>
+        <a:prstGeom prst="rect">
+          <a:avLst/>
+        </a:prstGeom>
+        <a:noFill/>
+        <a:ln>
+          <a:noFill/>
+        </a:ln>
+        <a:effectLst/>
+      </dsp:spPr>
+      <dsp:style>
+        <a:lnRef idx="0">
+          <a:scrgbClr r="0" g="0" b="0"/>
+        </a:lnRef>
+        <a:fillRef idx="0">
+          <a:scrgbClr r="0" g="0" b="0"/>
+        </a:fillRef>
+        <a:effectRef idx="0">
+          <a:scrgbClr r="0" g="0" b="0"/>
+        </a:effectRef>
+        <a:fontRef idx="minor"/>
+      </dsp:style>
+      <dsp:txBody>
+        <a:bodyPr spcFirstLastPara="0" vert="horz" wrap="square" lIns="34290" tIns="34290" rIns="34290" bIns="34290" numCol="1" spcCol="1270" anchor="t" anchorCtr="0">
+          <a:noAutofit/>
+        </a:bodyPr>
+        <a:lstStyle/>
+        <a:p>
+          <a:pPr lvl="0" algn="l" defTabSz="400050">
+            <a:lnSpc>
+              <a:spcPct val="90000"/>
+            </a:lnSpc>
+            <a:spcBef>
+              <a:spcPct val="0"/>
+            </a:spcBef>
+            <a:spcAft>
+              <a:spcPct val="35000"/>
+            </a:spcAft>
+          </a:pPr>
+          <a:r>
+            <a:rPr lang="en-IN" sz="900" b="1" kern="1200" smtClean="0"/>
+            <a:t>session</a:t>
+          </a:r>
+          <a:endParaRPr lang="en-IN" sz="900" kern="1200"/>
+        </a:p>
+      </dsp:txBody>
+      <dsp:txXfrm>
+        <a:off x="6572919" y="6013029"/>
+        <a:ext cx="2210299" cy="203737"/>
+      </dsp:txXfrm>
+    </dsp:sp>
+    <dsp:sp modelId="{ADD3FAE1-ACA0-4F4D-90FD-B3A4CEB35D5C}">
+      <dsp:nvSpPr>
+        <dsp:cNvPr id="0" name=""/>
+        <dsp:cNvSpPr/>
+      </dsp:nvSpPr>
+      <dsp:spPr>
+        <a:xfrm>
+          <a:off x="6572919" y="6216767"/>
+          <a:ext cx="2210299" cy="203737"/>
+        </a:xfrm>
+        <a:prstGeom prst="rect">
+          <a:avLst/>
+        </a:prstGeom>
+        <a:noFill/>
+        <a:ln>
+          <a:noFill/>
+        </a:ln>
+        <a:effectLst/>
+      </dsp:spPr>
+      <dsp:style>
+        <a:lnRef idx="0">
+          <a:scrgbClr r="0" g="0" b="0"/>
+        </a:lnRef>
+        <a:fillRef idx="0">
+          <a:scrgbClr r="0" g="0" b="0"/>
+        </a:fillRef>
+        <a:effectRef idx="0">
+          <a:scrgbClr r="0" g="0" b="0"/>
+        </a:effectRef>
+        <a:fontRef idx="minor"/>
+      </dsp:style>
+      <dsp:txBody>
+        <a:bodyPr spcFirstLastPara="0" vert="horz" wrap="square" lIns="34290" tIns="34290" rIns="34290" bIns="34290" numCol="1" spcCol="1270" anchor="t" anchorCtr="0">
+          <a:noAutofit/>
+        </a:bodyPr>
+        <a:lstStyle/>
+        <a:p>
+          <a:pPr lvl="0" algn="l" defTabSz="400050">
+            <a:lnSpc>
+              <a:spcPct val="90000"/>
+            </a:lnSpc>
+            <a:spcBef>
+              <a:spcPct val="0"/>
+            </a:spcBef>
+            <a:spcAft>
+              <a:spcPct val="35000"/>
+            </a:spcAft>
+          </a:pPr>
+          <a:endParaRPr lang="en-IN" sz="900" kern="1200"/>
+        </a:p>
+      </dsp:txBody>
+      <dsp:txXfrm>
+        <a:off x="6572919" y="6216767"/>
+        <a:ext cx="2210299" cy="203737"/>
+      </dsp:txXfrm>
+    </dsp:sp>
+    <dsp:sp modelId="{125B6ECC-AEB8-460D-97EE-6868513CB36F}">
+      <dsp:nvSpPr>
+        <dsp:cNvPr id="0" name=""/>
+        <dsp:cNvSpPr/>
+      </dsp:nvSpPr>
+      <dsp:spPr>
+        <a:xfrm>
+          <a:off x="1756995" y="6420505"/>
+          <a:ext cx="7027980" cy="0"/>
+        </a:xfrm>
+        <a:prstGeom prst="line">
+          <a:avLst/>
+        </a:prstGeom>
+        <a:solidFill>
+          <a:schemeClr val="accent1">
+            <a:hueOff val="0"/>
+            <a:satOff val="0"/>
+            <a:lumOff val="0"/>
+            <a:alphaOff val="0"/>
+          </a:schemeClr>
+        </a:solidFill>
+        <a:ln w="25400" cap="flat" cmpd="sng" algn="ctr">
+          <a:solidFill>
+            <a:schemeClr val="accent1">
+              <a:tint val="50000"/>
+              <a:hueOff val="0"/>
+              <a:satOff val="0"/>
+              <a:lumOff val="0"/>
+              <a:alphaOff val="0"/>
+            </a:schemeClr>
+          </a:solidFill>
+          <a:prstDash val="solid"/>
+        </a:ln>
+        <a:effectLst/>
+      </dsp:spPr>
+      <dsp:style>
+        <a:lnRef idx="2">
+          <a:scrgbClr r="0" g="0" b="0"/>
+        </a:lnRef>
+        <a:fillRef idx="1">
+          <a:scrgbClr r="0" g="0" b="0"/>
+        </a:fillRef>
+        <a:effectRef idx="0">
+          <a:scrgbClr r="0" g="0" b="0"/>
+        </a:effectRef>
+        <a:fontRef idx="minor"/>
+      </dsp:style>
+    </dsp:sp>
   </dsp:spTree>
 </dsp:drawing>
 </file>
@@ -4021,7 +5758,7 @@
           <a:p>
             <a:fld id="{4D5E6690-03A7-49E8-BBE8-9FAB747999F4}" type="datetimeFigureOut">
               <a:rPr lang="en-US" smtClean="0"/>
-              <a:t>9/27/2017</a:t>
+              <a:t>10/2/2017</a:t>
             </a:fld>
             <a:endParaRPr lang="en-US" dirty="0"/>
           </a:p>
@@ -5266,7 +7003,7 @@
           <a:p>
             <a:fld id="{F91BD43F-C672-4ED4-8CF3-4F6C72EB09E5}" type="datetimeFigureOut">
               <a:rPr lang="en-IN" smtClean="0"/>
-              <a:t>27-09-2017</a:t>
+              <a:t>02-10-2017</a:t>
             </a:fld>
             <a:endParaRPr lang="en-IN" dirty="0"/>
           </a:p>
@@ -5436,7 +7173,7 @@
           <a:p>
             <a:fld id="{F91BD43F-C672-4ED4-8CF3-4F6C72EB09E5}" type="datetimeFigureOut">
               <a:rPr lang="en-IN" smtClean="0"/>
-              <a:t>27-09-2017</a:t>
+              <a:t>02-10-2017</a:t>
             </a:fld>
             <a:endParaRPr lang="en-IN" dirty="0"/>
           </a:p>
@@ -5616,7 +7353,7 @@
           <a:p>
             <a:fld id="{F91BD43F-C672-4ED4-8CF3-4F6C72EB09E5}" type="datetimeFigureOut">
               <a:rPr lang="en-IN" smtClean="0"/>
-              <a:t>27-09-2017</a:t>
+              <a:t>02-10-2017</a:t>
             </a:fld>
             <a:endParaRPr lang="en-IN" dirty="0"/>
           </a:p>
@@ -5786,7 +7523,7 @@
           <a:p>
             <a:fld id="{F91BD43F-C672-4ED4-8CF3-4F6C72EB09E5}" type="datetimeFigureOut">
               <a:rPr lang="en-IN" smtClean="0"/>
-              <a:t>27-09-2017</a:t>
+              <a:t>02-10-2017</a:t>
             </a:fld>
             <a:endParaRPr lang="en-IN" dirty="0"/>
           </a:p>
@@ -6032,7 +7769,7 @@
           <a:p>
             <a:fld id="{F91BD43F-C672-4ED4-8CF3-4F6C72EB09E5}" type="datetimeFigureOut">
               <a:rPr lang="en-IN" smtClean="0"/>
-              <a:t>27-09-2017</a:t>
+              <a:t>02-10-2017</a:t>
             </a:fld>
             <a:endParaRPr lang="en-IN" dirty="0"/>
           </a:p>
@@ -6320,7 +8057,7 @@
           <a:p>
             <a:fld id="{F91BD43F-C672-4ED4-8CF3-4F6C72EB09E5}" type="datetimeFigureOut">
               <a:rPr lang="en-IN" smtClean="0"/>
-              <a:t>27-09-2017</a:t>
+              <a:t>02-10-2017</a:t>
             </a:fld>
             <a:endParaRPr lang="en-IN" dirty="0"/>
           </a:p>
@@ -6742,7 +8479,7 @@
           <a:p>
             <a:fld id="{F91BD43F-C672-4ED4-8CF3-4F6C72EB09E5}" type="datetimeFigureOut">
               <a:rPr lang="en-IN" smtClean="0"/>
-              <a:t>27-09-2017</a:t>
+              <a:t>02-10-2017</a:t>
             </a:fld>
             <a:endParaRPr lang="en-IN" dirty="0"/>
           </a:p>
@@ -6860,7 +8597,7 @@
           <a:p>
             <a:fld id="{F91BD43F-C672-4ED4-8CF3-4F6C72EB09E5}" type="datetimeFigureOut">
               <a:rPr lang="en-IN" smtClean="0"/>
-              <a:t>27-09-2017</a:t>
+              <a:t>02-10-2017</a:t>
             </a:fld>
             <a:endParaRPr lang="en-IN" dirty="0"/>
           </a:p>
@@ -6955,7 +8692,7 @@
           <a:p>
             <a:fld id="{F91BD43F-C672-4ED4-8CF3-4F6C72EB09E5}" type="datetimeFigureOut">
               <a:rPr lang="en-IN" smtClean="0"/>
-              <a:t>27-09-2017</a:t>
+              <a:t>02-10-2017</a:t>
             </a:fld>
             <a:endParaRPr lang="en-IN" dirty="0"/>
           </a:p>
@@ -7232,7 +8969,7 @@
           <a:p>
             <a:fld id="{F91BD43F-C672-4ED4-8CF3-4F6C72EB09E5}" type="datetimeFigureOut">
               <a:rPr lang="en-IN" smtClean="0"/>
-              <a:t>27-09-2017</a:t>
+              <a:t>02-10-2017</a:t>
             </a:fld>
             <a:endParaRPr lang="en-IN" dirty="0"/>
           </a:p>
@@ -7485,7 +9222,7 @@
           <a:p>
             <a:fld id="{F91BD43F-C672-4ED4-8CF3-4F6C72EB09E5}" type="datetimeFigureOut">
               <a:rPr lang="en-IN" smtClean="0"/>
-              <a:t>27-09-2017</a:t>
+              <a:t>02-10-2017</a:t>
             </a:fld>
             <a:endParaRPr lang="en-IN" dirty="0"/>
           </a:p>
@@ -7698,7 +9435,7 @@
           <a:p>
             <a:fld id="{F91BD43F-C672-4ED4-8CF3-4F6C72EB09E5}" type="datetimeFigureOut">
               <a:rPr lang="en-IN" smtClean="0"/>
-              <a:t>27-09-2017</a:t>
+              <a:t>02-10-2017</a:t>
             </a:fld>
             <a:endParaRPr lang="en-IN" dirty="0"/>
           </a:p>
@@ -38015,16 +39752,41 @@
           <a:p>
             <a:r>
               <a:rPr lang="en-US" sz="1801" b="1" dirty="0" smtClean="0"/>
-              <a:t>public void service (ServletRequest, </a:t>
-            </a:r>
-          </a:p>
-          <a:p>
-            <a:r>
-              <a:rPr lang="en-US" sz="1801" b="1" dirty="0"/>
+              <a:t>public void </a:t>
+            </a:r>
+            <a:r>
+              <a:rPr lang="en-US" sz="1801" b="1" dirty="0" smtClean="0">
+                <a:solidFill>
+                  <a:schemeClr val="tx2">
+                    <a:lumMod val="60000"/>
+                    <a:lumOff val="40000"/>
+                  </a:schemeClr>
+                </a:solidFill>
+              </a:rPr>
+              <a:t>service (ServletRequest, </a:t>
+            </a:r>
+          </a:p>
+          <a:p>
+            <a:r>
+              <a:rPr lang="en-US" sz="1801" b="1" dirty="0">
+                <a:solidFill>
+                  <a:schemeClr val="tx2">
+                    <a:lumMod val="60000"/>
+                    <a:lumOff val="40000"/>
+                  </a:schemeClr>
+                </a:solidFill>
+              </a:rPr>
               <a:t> </a:t>
             </a:r>
             <a:r>
-              <a:rPr lang="en-US" sz="1801" b="1" dirty="0" smtClean="0"/>
+              <a:rPr lang="en-US" sz="1801" b="1" dirty="0" smtClean="0">
+                <a:solidFill>
+                  <a:schemeClr val="tx2">
+                    <a:lumMod val="60000"/>
+                    <a:lumOff val="40000"/>
+                  </a:schemeClr>
+                </a:solidFill>
+              </a:rPr>
               <a:t>                                  ServletResponse)</a:t>
             </a:r>
           </a:p>
@@ -38044,7 +39806,7 @@
         </p:nvSpPr>
         <p:spPr>
           <a:xfrm>
-            <a:off x="107504" y="75067"/>
+            <a:off x="167664" y="87099"/>
             <a:ext cx="2056786" cy="646587"/>
           </a:xfrm>
           <a:prstGeom prst="rect">
@@ -38174,7 +39936,7 @@
         </p:nvSpPr>
         <p:spPr>
           <a:xfrm>
-            <a:off x="4281520" y="74960"/>
+            <a:off x="4281520" y="99024"/>
             <a:ext cx="1803930" cy="646587"/>
           </a:xfrm>
           <a:prstGeom prst="rect">
@@ -38267,7 +40029,7 @@
         </p:nvSpPr>
         <p:spPr>
           <a:xfrm>
-            <a:off x="3935126" y="869541"/>
+            <a:off x="3935126" y="953765"/>
             <a:ext cx="5171468" cy="5634876"/>
           </a:xfrm>
           <a:prstGeom prst="rect">
@@ -38315,10 +40077,22 @@
             </a:r>
             <a:r>
               <a:rPr lang="en-US" sz="1801" b="1" dirty="0" smtClean="0"/>
-              <a:t>        service </a:t>
-            </a:r>
-            <a:r>
-              <a:rPr lang="en-US" sz="1801" b="1" dirty="0"/>
+              <a:t>        </a:t>
+            </a:r>
+            <a:r>
+              <a:rPr lang="en-US" sz="1801" b="1" dirty="0" smtClean="0">
+                <a:solidFill>
+                  <a:srgbClr val="00B050"/>
+                </a:solidFill>
+              </a:rPr>
+              <a:t>service </a:t>
+            </a:r>
+            <a:r>
+              <a:rPr lang="en-US" sz="1801" b="1" dirty="0">
+                <a:solidFill>
+                  <a:srgbClr val="00B050"/>
+                </a:solidFill>
+              </a:rPr>
               <a:t>(HSR, HSR)</a:t>
             </a:r>
           </a:p>
@@ -38335,7 +40109,15 @@
             </a:r>
             <a:r>
               <a:rPr lang="en-US" sz="1801" b="1" dirty="0" smtClean="0"/>
-              <a:t>        throw ServletException(“Non HTTP Request”);  </a:t>
+              <a:t>        </a:t>
+            </a:r>
+            <a:r>
+              <a:rPr lang="en-US" sz="1801" b="1" dirty="0" smtClean="0">
+                <a:solidFill>
+                  <a:srgbClr val="C00000"/>
+                </a:solidFill>
+              </a:rPr>
+              <a:t>throw ServletException(“Non HTTP Request”);  </a:t>
             </a:r>
           </a:p>
           <a:p>
@@ -38373,7 +40155,15 @@
                   <a:srgbClr val="0070C0"/>
                 </a:solidFill>
               </a:rPr>
-              <a:t>service (HSR</a:t>
+              <a:t>service </a:t>
+            </a:r>
+            <a:r>
+              <a:rPr lang="en-US" sz="1801" b="1" dirty="0" smtClean="0">
+                <a:solidFill>
+                  <a:srgbClr val="0070C0"/>
+                </a:solidFill>
+              </a:rPr>
+              <a:t>(HSR</a:t>
             </a:r>
             <a:r>
               <a:rPr lang="en-US" sz="1801" b="1" dirty="0">
@@ -38395,7 +40185,15 @@
           <a:p>
             <a:r>
               <a:rPr lang="en-US" sz="1801" b="1" dirty="0" smtClean="0"/>
-              <a:t>     1. Get the HTTP Method from Request        </a:t>
+              <a:t>     1. </a:t>
+            </a:r>
+            <a:r>
+              <a:rPr lang="en-US" sz="1801" b="1" dirty="0" smtClean="0">
+                <a:solidFill>
+                  <a:srgbClr val="00B050"/>
+                </a:solidFill>
+              </a:rPr>
+              <a:t>Get the HTTP Method from Request        </a:t>
             </a:r>
           </a:p>
           <a:p>
@@ -38405,7 +40203,19 @@
             </a:r>
             <a:r>
               <a:rPr lang="en-US" sz="1801" b="1" dirty="0" smtClean="0"/>
-              <a:t>    2. Invoke one of the Corresponding </a:t>
+              <a:t>    2. </a:t>
+            </a:r>
+            <a:r>
+              <a:rPr lang="en-US" sz="1801" b="1" dirty="0" smtClean="0">
+                <a:solidFill>
+                  <a:srgbClr val="00B050"/>
+                </a:solidFill>
+              </a:rPr>
+              <a:t>Invoke one of the Corresponding</a:t>
+            </a:r>
+            <a:r>
+              <a:rPr lang="en-US" sz="1801" b="1" dirty="0" smtClean="0"/>
+              <a:t> </a:t>
             </a:r>
           </a:p>
           <a:p>
@@ -38415,7 +40225,15 @@
             </a:r>
             <a:r>
               <a:rPr lang="en-US" sz="1801" b="1" dirty="0" smtClean="0"/>
-              <a:t>         doXXX(HSR, HSR) Method</a:t>
+              <a:t>         </a:t>
+            </a:r>
+            <a:r>
+              <a:rPr lang="en-US" sz="1801" b="1" dirty="0" smtClean="0">
+                <a:solidFill>
+                  <a:srgbClr val="00B050"/>
+                </a:solidFill>
+              </a:rPr>
+              <a:t>doXXX(HSR, HSR) Method</a:t>
             </a:r>
           </a:p>
           <a:p>
@@ -38425,7 +40243,82 @@
             </a:r>
             <a:r>
               <a:rPr lang="en-US" sz="1801" b="1" dirty="0" smtClean="0"/>
-              <a:t>    3. If HTTP method is CONNECT then it generates </a:t>
+              <a:t>    3. </a:t>
+            </a:r>
+            <a:r>
+              <a:rPr lang="en-US" sz="1801" b="1" dirty="0" smtClean="0">
+                <a:solidFill>
+                  <a:srgbClr val="C00000"/>
+                </a:solidFill>
+              </a:rPr>
+              <a:t>If HTTP method is CONNECT then it generates </a:t>
+            </a:r>
+          </a:p>
+          <a:p>
+            <a:r>
+              <a:rPr lang="en-US" sz="1801" b="1" dirty="0">
+                <a:solidFill>
+                  <a:srgbClr val="C00000"/>
+                </a:solidFill>
+              </a:rPr>
+              <a:t> </a:t>
+            </a:r>
+            <a:r>
+              <a:rPr lang="en-US" sz="1801" b="1" dirty="0" smtClean="0">
+                <a:solidFill>
+                  <a:srgbClr val="C00000"/>
+                </a:solidFill>
+              </a:rPr>
+              <a:t>        “501 Error Response”</a:t>
+            </a:r>
+            <a:r>
+              <a:rPr lang="en-US" sz="1801" b="1" dirty="0">
+                <a:solidFill>
+                  <a:srgbClr val="C00000"/>
+                </a:solidFill>
+              </a:rPr>
+              <a:t>	</a:t>
+            </a:r>
+            <a:endParaRPr lang="en-US" sz="1801" b="1" dirty="0" smtClean="0">
+              <a:solidFill>
+                <a:srgbClr val="C00000"/>
+              </a:solidFill>
+            </a:endParaRPr>
+          </a:p>
+          <a:p>
+            <a:r>
+              <a:rPr lang="en-US" sz="1801" b="1" dirty="0" smtClean="0"/>
+              <a:t>}</a:t>
+            </a:r>
+            <a:endParaRPr lang="en-US" sz="1801" b="1" dirty="0"/>
+          </a:p>
+          <a:p>
+            <a:endParaRPr lang="en-US" sz="1801" b="1" dirty="0" smtClean="0"/>
+          </a:p>
+          <a:p>
+            <a:r>
+              <a:rPr lang="en-US" sz="1801" b="1" dirty="0" smtClean="0">
+                <a:solidFill>
+                  <a:srgbClr val="0070C0"/>
+                </a:solidFill>
+              </a:rPr>
+              <a:t>7 doXXX (HSR</a:t>
+            </a:r>
+            <a:r>
+              <a:rPr lang="en-US" sz="1801" b="1" dirty="0">
+                <a:solidFill>
+                  <a:srgbClr val="0070C0"/>
+                </a:solidFill>
+              </a:rPr>
+              <a:t>, </a:t>
+            </a:r>
+            <a:r>
+              <a:rPr lang="en-US" sz="1801" b="1" dirty="0" smtClean="0">
+                <a:solidFill>
+                  <a:srgbClr val="0070C0"/>
+                </a:solidFill>
+              </a:rPr>
+              <a:t>HSR){</a:t>
             </a:r>
           </a:p>
           <a:p>
@@ -38435,58 +40328,15 @@
             </a:r>
             <a:r>
               <a:rPr lang="en-US" sz="1801" b="1" dirty="0" smtClean="0"/>
-              <a:t>        “501 Error Response”</a:t>
-            </a:r>
-            <a:r>
-              <a:rPr lang="en-US" sz="1801" b="1" dirty="0"/>
-              <a:t>	</a:t>
-            </a:r>
-            <a:endParaRPr lang="en-US" sz="1801" b="1" dirty="0" smtClean="0"/>
-          </a:p>
-          <a:p>
-            <a:r>
-              <a:rPr lang="en-US" sz="1801" b="1" dirty="0" smtClean="0"/>
-              <a:t>}</a:t>
-            </a:r>
-            <a:endParaRPr lang="en-US" sz="1801" b="1" dirty="0"/>
-          </a:p>
-          <a:p>
-            <a:endParaRPr lang="en-US" sz="1801" b="1" dirty="0" smtClean="0"/>
-          </a:p>
-          <a:p>
+              <a:t>   </a:t>
+            </a:r>
             <a:r>
               <a:rPr lang="en-US" sz="1801" b="1" dirty="0" smtClean="0">
                 <a:solidFill>
-                  <a:srgbClr val="0070C0"/>
+                  <a:srgbClr val="C00000"/>
                 </a:solidFill>
               </a:rPr>
-              <a:t>7 doXXX (HSR</a:t>
-            </a:r>
-            <a:r>
-              <a:rPr lang="en-US" sz="1801" b="1" dirty="0">
-                <a:solidFill>
-                  <a:srgbClr val="0070C0"/>
-                </a:solidFill>
-              </a:rPr>
-              <a:t>, </a:t>
-            </a:r>
-            <a:r>
-              <a:rPr lang="en-US" sz="1801" b="1" dirty="0" smtClean="0">
-                <a:solidFill>
-                  <a:srgbClr val="0070C0"/>
-                </a:solidFill>
-              </a:rPr>
-              <a:t>HSR){</a:t>
-            </a:r>
-          </a:p>
-          <a:p>
-            <a:r>
-              <a:rPr lang="en-US" sz="1801" b="1" dirty="0"/>
-              <a:t> </a:t>
-            </a:r>
-            <a:r>
-              <a:rPr lang="en-US" sz="1801" b="1" dirty="0" smtClean="0"/>
-              <a:t>   Generate “405 Error Response”</a:t>
+              <a:t>Generate “405 Error Response”</a:t>
             </a:r>
           </a:p>
           <a:p>
@@ -38548,7 +40398,7 @@
         </p:nvCxnSpPr>
         <p:spPr>
           <a:xfrm>
-            <a:off x="-3885" y="8453"/>
+            <a:off x="-3885" y="80645"/>
             <a:ext cx="9154513" cy="0"/>
           </a:xfrm>
           <a:prstGeom prst="line">
@@ -38579,7 +40429,7 @@
         </p:nvCxnSpPr>
         <p:spPr>
           <a:xfrm>
-            <a:off x="9136455" y="0"/>
+            <a:off x="9076295" y="0"/>
             <a:ext cx="3622" cy="6864628"/>
           </a:xfrm>
           <a:prstGeom prst="line">
@@ -38609,7 +40459,7 @@
         </p:nvCxnSpPr>
         <p:spPr>
           <a:xfrm>
-            <a:off x="9367" y="6846574"/>
+            <a:off x="-14697" y="6726254"/>
             <a:ext cx="9154513" cy="0"/>
           </a:xfrm>
           <a:prstGeom prst="line">
@@ -38639,9 +40489,9 @@
           <p:nvPr/>
         </p:nvCxnSpPr>
         <p:spPr>
-          <a:xfrm>
-            <a:off x="3846126" y="178235"/>
-            <a:ext cx="3622" cy="6864628"/>
+          <a:xfrm flipH="1">
+            <a:off x="3849748" y="44624"/>
+            <a:ext cx="29861" cy="6757967"/>
           </a:xfrm>
           <a:prstGeom prst="line">
             <a:avLst/>
@@ -38670,8 +40520,8 @@
         </p:nvCxnSpPr>
         <p:spPr>
           <a:xfrm flipH="1">
-            <a:off x="3043197" y="443268"/>
-            <a:ext cx="1142161" cy="33404"/>
+            <a:off x="3068053" y="467332"/>
+            <a:ext cx="1117306" cy="13931"/>
           </a:xfrm>
           <a:prstGeom prst="straightConnector1">
             <a:avLst/>
@@ -38703,7 +40553,7 @@
         </p:nvCxnSpPr>
         <p:spPr>
           <a:xfrm>
-            <a:off x="-11430" y="6628"/>
+            <a:off x="48730" y="6628"/>
             <a:ext cx="3622" cy="6864628"/>
           </a:xfrm>
           <a:prstGeom prst="line">
@@ -38733,7 +40583,7 @@
         </p:nvCxnSpPr>
         <p:spPr>
           <a:xfrm>
-            <a:off x="3905265" y="2977986"/>
+            <a:off x="3905265" y="3050178"/>
             <a:ext cx="5141064" cy="23599"/>
           </a:xfrm>
           <a:prstGeom prst="line">
@@ -38766,7 +40616,7 @@
         </p:nvCxnSpPr>
         <p:spPr>
           <a:xfrm>
-            <a:off x="3931203" y="5142858"/>
+            <a:off x="3895107" y="5227082"/>
             <a:ext cx="5141064" cy="23599"/>
           </a:xfrm>
           <a:prstGeom prst="line">

--- a/11. Others/A. PPTs/Servlets & JSP.pptx
+++ b/11. Others/A. PPTs/Servlets & JSP.pptx
@@ -5758,7 +5758,7 @@
           <a:p>
             <a:fld id="{4D5E6690-03A7-49E8-BBE8-9FAB747999F4}" type="datetimeFigureOut">
               <a:rPr lang="en-US" smtClean="0"/>
-              <a:t>10/2/2017</a:t>
+              <a:t>10/6/2017</a:t>
             </a:fld>
             <a:endParaRPr lang="en-US" dirty="0"/>
           </a:p>
@@ -7003,7 +7003,7 @@
           <a:p>
             <a:fld id="{F91BD43F-C672-4ED4-8CF3-4F6C72EB09E5}" type="datetimeFigureOut">
               <a:rPr lang="en-IN" smtClean="0"/>
-              <a:t>02-10-2017</a:t>
+              <a:t>06-10-2017</a:t>
             </a:fld>
             <a:endParaRPr lang="en-IN" dirty="0"/>
           </a:p>
@@ -7173,7 +7173,7 @@
           <a:p>
             <a:fld id="{F91BD43F-C672-4ED4-8CF3-4F6C72EB09E5}" type="datetimeFigureOut">
               <a:rPr lang="en-IN" smtClean="0"/>
-              <a:t>02-10-2017</a:t>
+              <a:t>06-10-2017</a:t>
             </a:fld>
             <a:endParaRPr lang="en-IN" dirty="0"/>
           </a:p>
@@ -7353,7 +7353,7 @@
           <a:p>
             <a:fld id="{F91BD43F-C672-4ED4-8CF3-4F6C72EB09E5}" type="datetimeFigureOut">
               <a:rPr lang="en-IN" smtClean="0"/>
-              <a:t>02-10-2017</a:t>
+              <a:t>06-10-2017</a:t>
             </a:fld>
             <a:endParaRPr lang="en-IN" dirty="0"/>
           </a:p>
@@ -7523,7 +7523,7 @@
           <a:p>
             <a:fld id="{F91BD43F-C672-4ED4-8CF3-4F6C72EB09E5}" type="datetimeFigureOut">
               <a:rPr lang="en-IN" smtClean="0"/>
-              <a:t>02-10-2017</a:t>
+              <a:t>06-10-2017</a:t>
             </a:fld>
             <a:endParaRPr lang="en-IN" dirty="0"/>
           </a:p>
@@ -7769,7 +7769,7 @@
           <a:p>
             <a:fld id="{F91BD43F-C672-4ED4-8CF3-4F6C72EB09E5}" type="datetimeFigureOut">
               <a:rPr lang="en-IN" smtClean="0"/>
-              <a:t>02-10-2017</a:t>
+              <a:t>06-10-2017</a:t>
             </a:fld>
             <a:endParaRPr lang="en-IN" dirty="0"/>
           </a:p>
@@ -8057,7 +8057,7 @@
           <a:p>
             <a:fld id="{F91BD43F-C672-4ED4-8CF3-4F6C72EB09E5}" type="datetimeFigureOut">
               <a:rPr lang="en-IN" smtClean="0"/>
-              <a:t>02-10-2017</a:t>
+              <a:t>06-10-2017</a:t>
             </a:fld>
             <a:endParaRPr lang="en-IN" dirty="0"/>
           </a:p>
@@ -8479,7 +8479,7 @@
           <a:p>
             <a:fld id="{F91BD43F-C672-4ED4-8CF3-4F6C72EB09E5}" type="datetimeFigureOut">
               <a:rPr lang="en-IN" smtClean="0"/>
-              <a:t>02-10-2017</a:t>
+              <a:t>06-10-2017</a:t>
             </a:fld>
             <a:endParaRPr lang="en-IN" dirty="0"/>
           </a:p>
@@ -8597,7 +8597,7 @@
           <a:p>
             <a:fld id="{F91BD43F-C672-4ED4-8CF3-4F6C72EB09E5}" type="datetimeFigureOut">
               <a:rPr lang="en-IN" smtClean="0"/>
-              <a:t>02-10-2017</a:t>
+              <a:t>06-10-2017</a:t>
             </a:fld>
             <a:endParaRPr lang="en-IN" dirty="0"/>
           </a:p>
@@ -8692,7 +8692,7 @@
           <a:p>
             <a:fld id="{F91BD43F-C672-4ED4-8CF3-4F6C72EB09E5}" type="datetimeFigureOut">
               <a:rPr lang="en-IN" smtClean="0"/>
-              <a:t>02-10-2017</a:t>
+              <a:t>06-10-2017</a:t>
             </a:fld>
             <a:endParaRPr lang="en-IN" dirty="0"/>
           </a:p>
@@ -8969,7 +8969,7 @@
           <a:p>
             <a:fld id="{F91BD43F-C672-4ED4-8CF3-4F6C72EB09E5}" type="datetimeFigureOut">
               <a:rPr lang="en-IN" smtClean="0"/>
-              <a:t>02-10-2017</a:t>
+              <a:t>06-10-2017</a:t>
             </a:fld>
             <a:endParaRPr lang="en-IN" dirty="0"/>
           </a:p>
@@ -9222,7 +9222,7 @@
           <a:p>
             <a:fld id="{F91BD43F-C672-4ED4-8CF3-4F6C72EB09E5}" type="datetimeFigureOut">
               <a:rPr lang="en-IN" smtClean="0"/>
-              <a:t>02-10-2017</a:t>
+              <a:t>06-10-2017</a:t>
             </a:fld>
             <a:endParaRPr lang="en-IN" dirty="0"/>
           </a:p>
@@ -9435,7 +9435,7 @@
           <a:p>
             <a:fld id="{F91BD43F-C672-4ED4-8CF3-4F6C72EB09E5}" type="datetimeFigureOut">
               <a:rPr lang="en-IN" smtClean="0"/>
-              <a:t>02-10-2017</a:t>
+              <a:t>06-10-2017</a:t>
             </a:fld>
             <a:endParaRPr lang="en-IN" dirty="0"/>
           </a:p>
@@ -40029,8 +40029,8 @@
         </p:nvSpPr>
         <p:spPr>
           <a:xfrm>
-            <a:off x="3935126" y="953765"/>
-            <a:ext cx="5171468" cy="5634876"/>
+            <a:off x="3899030" y="785317"/>
+            <a:ext cx="5171468" cy="6189130"/>
           </a:xfrm>
           <a:prstGeom prst="rect">
             <a:avLst/>
@@ -40057,87 +40057,7 @@
                   <a:srgbClr val="0070C0"/>
                 </a:solidFill>
               </a:rPr>
-              <a:t>ervice (SR, SR)   {</a:t>
-            </a:r>
-          </a:p>
-          <a:p>
-            <a:r>
-              <a:rPr lang="en-US" sz="1801" b="1" dirty="0"/>
-              <a:t> </a:t>
-            </a:r>
-            <a:r>
-              <a:rPr lang="en-US" sz="1801" b="1" dirty="0" smtClean="0"/>
-              <a:t>   if (HTTP or HTTPS)   {</a:t>
-            </a:r>
-          </a:p>
-          <a:p>
-            <a:r>
-              <a:rPr lang="en-US" sz="1801" b="1" dirty="0"/>
-              <a:t> </a:t>
-            </a:r>
-            <a:r>
-              <a:rPr lang="en-US" sz="1801" b="1" dirty="0" smtClean="0"/>
-              <a:t>        </a:t>
-            </a:r>
-            <a:r>
-              <a:rPr lang="en-US" sz="1801" b="1" dirty="0" smtClean="0">
-                <a:solidFill>
-                  <a:srgbClr val="00B050"/>
-                </a:solidFill>
-              </a:rPr>
-              <a:t>service </a:t>
-            </a:r>
-            <a:r>
-              <a:rPr lang="en-US" sz="1801" b="1" dirty="0">
-                <a:solidFill>
-                  <a:srgbClr val="00B050"/>
-                </a:solidFill>
-              </a:rPr>
-              <a:t>(HSR, HSR)</a:t>
-            </a:r>
-          </a:p>
-          <a:p>
-            <a:r>
-              <a:rPr lang="en-US" sz="1801" b="1" dirty="0" smtClean="0"/>
-              <a:t>    } else {</a:t>
-            </a:r>
-          </a:p>
-          <a:p>
-            <a:r>
-              <a:rPr lang="en-US" sz="1801" b="1" dirty="0"/>
-              <a:t> </a:t>
-            </a:r>
-            <a:r>
-              <a:rPr lang="en-US" sz="1801" b="1" dirty="0" smtClean="0"/>
-              <a:t>        </a:t>
-            </a:r>
-            <a:r>
-              <a:rPr lang="en-US" sz="1801" b="1" dirty="0" smtClean="0">
-                <a:solidFill>
-                  <a:srgbClr val="C00000"/>
-                </a:solidFill>
-              </a:rPr>
-              <a:t>throw ServletException(“Non HTTP Request”);  </a:t>
-            </a:r>
-          </a:p>
-          <a:p>
-            <a:r>
-              <a:rPr lang="en-US" sz="1801" b="1" dirty="0"/>
-              <a:t> </a:t>
-            </a:r>
-            <a:r>
-              <a:rPr lang="en-US" sz="1801" b="1" dirty="0" smtClean="0"/>
-              <a:t>   }</a:t>
-            </a:r>
-          </a:p>
-          <a:p>
-            <a:r>
-              <a:rPr lang="en-US" sz="1801" b="1" dirty="0">
-                <a:solidFill>
-                  <a:srgbClr val="0070C0"/>
-                </a:solidFill>
-              </a:rPr>
-              <a:t>}</a:t>
+              <a:t>ervice (SR, SR)  </a:t>
             </a:r>
             <a:endParaRPr lang="en-US" sz="1801" b="1" dirty="0" smtClean="0">
               <a:solidFill>
@@ -40146,18 +40066,158 @@
             </a:endParaRPr>
           </a:p>
           <a:p>
-            <a:endParaRPr lang="en-US" sz="1801" b="1" dirty="0" smtClean="0"/>
-          </a:p>
-          <a:p>
             <a:r>
               <a:rPr lang="en-US" sz="1801" b="1" dirty="0" smtClean="0">
                 <a:solidFill>
                   <a:srgbClr val="0070C0"/>
+                </a:solidFill>
+              </a:rPr>
+              <a:t> </a:t>
+            </a:r>
+            <a:r>
+              <a:rPr lang="en-US" sz="1801" b="1" dirty="0" smtClean="0">
+                <a:solidFill>
+                  <a:srgbClr val="0070C0"/>
+                </a:solidFill>
+              </a:rPr>
+              <a:t>{</a:t>
+            </a:r>
+          </a:p>
+          <a:p>
+            <a:r>
+              <a:rPr lang="en-US" sz="1801" b="1" dirty="0"/>
+              <a:t> </a:t>
+            </a:r>
+            <a:r>
+              <a:rPr lang="en-US" sz="1801" b="1" dirty="0" smtClean="0"/>
+              <a:t>  </a:t>
+            </a:r>
+            <a:r>
+              <a:rPr lang="en-US" sz="1801" b="1" dirty="0" smtClean="0"/>
+              <a:t>    </a:t>
+            </a:r>
+            <a:r>
+              <a:rPr lang="en-US" sz="1801" b="1" dirty="0" smtClean="0"/>
+              <a:t>if (HTTP or HTTPS)   {</a:t>
+            </a:r>
+          </a:p>
+          <a:p>
+            <a:r>
+              <a:rPr lang="en-US" sz="1801" b="1" dirty="0"/>
+              <a:t> </a:t>
+            </a:r>
+            <a:r>
+              <a:rPr lang="en-US" sz="1801" b="1" dirty="0" smtClean="0"/>
+              <a:t>        </a:t>
+            </a:r>
+            <a:r>
+              <a:rPr lang="en-US" sz="1801" b="1" dirty="0" smtClean="0"/>
+              <a:t>  </a:t>
+            </a:r>
+            <a:r>
+              <a:rPr lang="en-US" sz="1801" b="1" dirty="0" smtClean="0">
+                <a:solidFill>
+                  <a:srgbClr val="00B050"/>
                 </a:solidFill>
               </a:rPr>
               <a:t>service </a:t>
             </a:r>
             <a:r>
+              <a:rPr lang="en-US" sz="1801" b="1" dirty="0">
+                <a:solidFill>
+                  <a:srgbClr val="00B050"/>
+                </a:solidFill>
+              </a:rPr>
+              <a:t>(HSR, HSR)</a:t>
+            </a:r>
+          </a:p>
+          <a:p>
+            <a:r>
+              <a:rPr lang="en-US" sz="1801" b="1" dirty="0" smtClean="0"/>
+              <a:t>    </a:t>
+            </a:r>
+            <a:r>
+              <a:rPr lang="en-US" sz="1801" b="1" dirty="0" smtClean="0"/>
+              <a:t>   } </a:t>
+            </a:r>
+            <a:r>
+              <a:rPr lang="en-US" sz="1801" b="1" dirty="0" smtClean="0"/>
+              <a:t>else {</a:t>
+            </a:r>
+          </a:p>
+          <a:p>
+            <a:r>
+              <a:rPr lang="en-US" sz="1801" b="1" dirty="0"/>
+              <a:t> </a:t>
+            </a:r>
+            <a:r>
+              <a:rPr lang="en-US" sz="1801" b="1" dirty="0" smtClean="0"/>
+              <a:t>        </a:t>
+            </a:r>
+            <a:r>
+              <a:rPr lang="en-US" sz="1801" b="1" dirty="0" smtClean="0"/>
+              <a:t>  </a:t>
+            </a:r>
+            <a:r>
+              <a:rPr lang="en-US" sz="1801" b="1" dirty="0" smtClean="0">
+                <a:solidFill>
+                  <a:srgbClr val="C00000"/>
+                </a:solidFill>
+              </a:rPr>
+              <a:t>throw </a:t>
+            </a:r>
+            <a:r>
+              <a:rPr lang="en-US" sz="1801" b="1" dirty="0" smtClean="0">
+                <a:solidFill>
+                  <a:srgbClr val="C00000"/>
+                </a:solidFill>
+              </a:rPr>
+              <a:t>ServletException(“Non HTTP Request”);  </a:t>
+            </a:r>
+          </a:p>
+          <a:p>
+            <a:r>
+              <a:rPr lang="en-US" sz="1801" b="1" dirty="0"/>
+              <a:t> </a:t>
+            </a:r>
+            <a:r>
+              <a:rPr lang="en-US" sz="1801" b="1" dirty="0" smtClean="0"/>
+              <a:t>   </a:t>
+            </a:r>
+            <a:r>
+              <a:rPr lang="en-US" sz="1801" b="1" dirty="0" smtClean="0"/>
+              <a:t>   }</a:t>
+            </a:r>
+            <a:endParaRPr lang="en-US" sz="1801" b="1" dirty="0" smtClean="0"/>
+          </a:p>
+          <a:p>
+            <a:r>
+              <a:rPr lang="en-US" sz="1801" b="1" dirty="0">
+                <a:solidFill>
+                  <a:srgbClr val="0070C0"/>
+                </a:solidFill>
+              </a:rPr>
+              <a:t>}</a:t>
+            </a:r>
+            <a:endParaRPr lang="en-US" sz="1801" b="1" dirty="0" smtClean="0">
+              <a:solidFill>
+                <a:srgbClr val="0070C0"/>
+              </a:solidFill>
+            </a:endParaRPr>
+          </a:p>
+          <a:p>
+            <a:endParaRPr lang="en-US" sz="1801" b="1" dirty="0" smtClean="0"/>
+          </a:p>
+          <a:p>
+            <a:r>
+              <a:rPr lang="en-US" sz="1801" b="1" dirty="0" smtClean="0">
+                <a:solidFill>
+                  <a:srgbClr val="0070C0"/>
+                </a:solidFill>
+              </a:rPr>
+              <a:t>service </a:t>
+            </a:r>
+            <a:r>
               <a:rPr lang="en-US" sz="1801" b="1" dirty="0" smtClean="0">
                 <a:solidFill>
                   <a:srgbClr val="0070C0"/>
@@ -40179,13 +40239,44 @@
                   <a:srgbClr val="0070C0"/>
                 </a:solidFill>
               </a:rPr>
-              <a:t>HSR)  {</a:t>
+              <a:t>HSR) </a:t>
+            </a:r>
+            <a:endParaRPr lang="en-US" sz="1801" b="1" dirty="0" smtClean="0">
+              <a:solidFill>
+                <a:srgbClr val="0070C0"/>
+              </a:solidFill>
+            </a:endParaRPr>
+          </a:p>
+          <a:p>
+            <a:r>
+              <a:rPr lang="en-US" sz="1801" b="1" dirty="0" smtClean="0">
+                <a:solidFill>
+                  <a:srgbClr val="0070C0"/>
+                </a:solidFill>
+              </a:rPr>
+              <a:t> </a:t>
+            </a:r>
+            <a:r>
+              <a:rPr lang="en-US" sz="1801" b="1" dirty="0" smtClean="0">
+                <a:solidFill>
+                  <a:srgbClr val="0070C0"/>
+                </a:solidFill>
+              </a:rPr>
+              <a:t>{</a:t>
             </a:r>
           </a:p>
           <a:p>
             <a:r>
               <a:rPr lang="en-US" sz="1801" b="1" dirty="0" smtClean="0"/>
-              <a:t>     1. </a:t>
+              <a:t>     </a:t>
+            </a:r>
+            <a:r>
+              <a:rPr lang="en-US" sz="1801" b="1" dirty="0" smtClean="0"/>
+              <a:t>  1</a:t>
+            </a:r>
+            <a:r>
+              <a:rPr lang="en-US" sz="1801" b="1" dirty="0" smtClean="0"/>
+              <a:t>. </a:t>
             </a:r>
             <a:r>
               <a:rPr lang="en-US" sz="1801" b="1" dirty="0" smtClean="0">
@@ -40203,7 +40294,15 @@
             </a:r>
             <a:r>
               <a:rPr lang="en-US" sz="1801" b="1" dirty="0" smtClean="0"/>
-              <a:t>    2. </a:t>
+              <a:t>    </a:t>
+            </a:r>
+            <a:r>
+              <a:rPr lang="en-US" sz="1801" b="1" dirty="0" smtClean="0"/>
+              <a:t>  2</a:t>
+            </a:r>
+            <a:r>
+              <a:rPr lang="en-US" sz="1801" b="1" dirty="0" smtClean="0"/>
+              <a:t>. </a:t>
             </a:r>
             <a:r>
               <a:rPr lang="en-US" sz="1801" b="1" dirty="0" smtClean="0">
@@ -40211,12 +40310,62 @@
                   <a:srgbClr val="00B050"/>
                 </a:solidFill>
               </a:rPr>
-              <a:t>Invoke one of the Corresponding</a:t>
+              <a:t>Invoke one of the </a:t>
+            </a:r>
+            <a:r>
+              <a:rPr lang="en-US" sz="1801" b="1" dirty="0" smtClean="0">
+                <a:solidFill>
+                  <a:srgbClr val="00B050"/>
+                </a:solidFill>
+              </a:rPr>
+              <a:t>(out of 7) </a:t>
+            </a:r>
+          </a:p>
+          <a:p>
+            <a:r>
+              <a:rPr lang="en-US" sz="1801" b="1" dirty="0">
+                <a:solidFill>
+                  <a:srgbClr val="00B050"/>
+                </a:solidFill>
+              </a:rPr>
+              <a:t> </a:t>
+            </a:r>
+            <a:r>
+              <a:rPr lang="en-US" sz="1801" b="1" dirty="0" smtClean="0">
+                <a:solidFill>
+                  <a:srgbClr val="00B050"/>
+                </a:solidFill>
+              </a:rPr>
+              <a:t>           </a:t>
+            </a:r>
+            <a:r>
+              <a:rPr lang="en-US" sz="1801" b="1" dirty="0" smtClean="0">
+                <a:solidFill>
+                  <a:srgbClr val="00B050"/>
+                </a:solidFill>
+              </a:rPr>
+              <a:t>Corresponding</a:t>
             </a:r>
             <a:r>
               <a:rPr lang="en-US" sz="1801" b="1" dirty="0" smtClean="0"/>
               <a:t> </a:t>
             </a:r>
+            <a:r>
+              <a:rPr lang="en-US" sz="1801" b="1" dirty="0" smtClean="0">
+                <a:solidFill>
+                  <a:srgbClr val="00B050"/>
+                </a:solidFill>
+              </a:rPr>
+              <a:t>doXXX(HSR</a:t>
+            </a:r>
+            <a:r>
+              <a:rPr lang="en-US" sz="1801" b="1" dirty="0" smtClean="0">
+                <a:solidFill>
+                  <a:srgbClr val="00B050"/>
+                </a:solidFill>
+              </a:rPr>
+              <a:t>, HSR) Method</a:t>
+            </a:r>
           </a:p>
           <a:p>
             <a:r>
@@ -40225,59 +40374,39 @@
             </a:r>
             <a:r>
               <a:rPr lang="en-US" sz="1801" b="1" dirty="0" smtClean="0"/>
-              <a:t>         </a:t>
+              <a:t>    </a:t>
+            </a:r>
+            <a:r>
+              <a:rPr lang="en-US" sz="1801" b="1" dirty="0" smtClean="0"/>
+              <a:t>   3</a:t>
+            </a:r>
+            <a:r>
+              <a:rPr lang="en-US" sz="1801" b="1" dirty="0" smtClean="0"/>
+              <a:t>. </a:t>
             </a:r>
             <a:r>
               <a:rPr lang="en-US" sz="1801" b="1" dirty="0" smtClean="0">
                 <a:solidFill>
-                  <a:srgbClr val="00B050"/>
+                  <a:srgbClr val="C00000"/>
                 </a:solidFill>
               </a:rPr>
-              <a:t>doXXX(HSR, HSR) Method</a:t>
-            </a:r>
-          </a:p>
-          <a:p>
-            <a:r>
-              <a:rPr lang="en-US" sz="1801" b="1" dirty="0"/>
-              <a:t> </a:t>
-            </a:r>
-            <a:r>
-              <a:rPr lang="en-US" sz="1801" b="1" dirty="0" smtClean="0"/>
-              <a:t>    3. </a:t>
-            </a:r>
-            <a:r>
-              <a:rPr lang="en-US" sz="1801" b="1" dirty="0" smtClean="0">
+              <a:t>If HTTP method is </a:t>
+            </a:r>
+            <a:r>
+              <a:rPr lang="en-US" sz="1801" b="1" smtClean="0">
                 <a:solidFill>
                   <a:srgbClr val="C00000"/>
                 </a:solidFill>
               </a:rPr>
-              <a:t>If HTTP method is CONNECT then it generates </a:t>
-            </a:r>
-          </a:p>
-          <a:p>
-            <a:r>
-              <a:rPr lang="en-US" sz="1801" b="1" dirty="0">
+              <a:t>CONNECT </a:t>
+            </a:r>
+            <a:r>
+              <a:rPr lang="en-US" sz="1801" b="1" smtClean="0">
                 <a:solidFill>
                   <a:srgbClr val="C00000"/>
                 </a:solidFill>
               </a:rPr>
-              <a:t> </a:t>
-            </a:r>
-            <a:r>
-              <a:rPr lang="en-US" sz="1801" b="1" dirty="0" smtClean="0">
-                <a:solidFill>
-                  <a:srgbClr val="C00000"/>
-                </a:solidFill>
-              </a:rPr>
-              <a:t>        “501 Error Response”</a:t>
-            </a:r>
-            <a:r>
-              <a:rPr lang="en-US" sz="1801" b="1" dirty="0">
-                <a:solidFill>
-                  <a:srgbClr val="C00000"/>
-                </a:solidFill>
-              </a:rPr>
-              <a:t>	</a:t>
+              <a:t>then, </a:t>
             </a:r>
             <a:endParaRPr lang="en-US" sz="1801" b="1" dirty="0" smtClean="0">
               <a:solidFill>
@@ -40287,22 +40416,85 @@
           </a:p>
           <a:p>
             <a:r>
-              <a:rPr lang="en-US" sz="1801" b="1" dirty="0" smtClean="0"/>
+              <a:rPr lang="en-US" sz="1801" b="1" dirty="0">
+                <a:solidFill>
+                  <a:srgbClr val="C00000"/>
+                </a:solidFill>
+              </a:rPr>
+              <a:t> </a:t>
+            </a:r>
+            <a:r>
+              <a:rPr lang="en-US" sz="1801" b="1" dirty="0" smtClean="0">
+                <a:solidFill>
+                  <a:srgbClr val="C00000"/>
+                </a:solidFill>
+              </a:rPr>
+              <a:t>            </a:t>
+            </a:r>
+            <a:r>
+              <a:rPr lang="en-US" sz="1801" b="1" dirty="0" smtClean="0">
+                <a:solidFill>
+                  <a:srgbClr val="C00000"/>
+                </a:solidFill>
+              </a:rPr>
+              <a:t>generate “</a:t>
+            </a:r>
+            <a:r>
+              <a:rPr lang="en-US" sz="1801" b="1" dirty="0" smtClean="0">
+                <a:solidFill>
+                  <a:srgbClr val="C00000"/>
+                </a:solidFill>
+              </a:rPr>
+              <a:t>501 Error Response”</a:t>
+            </a:r>
+            <a:r>
+              <a:rPr lang="en-US" sz="1801" b="1" dirty="0">
+                <a:solidFill>
+                  <a:srgbClr val="C00000"/>
+                </a:solidFill>
+              </a:rPr>
+              <a:t>	</a:t>
+            </a:r>
+            <a:endParaRPr lang="en-US" sz="1801" b="1" dirty="0" smtClean="0">
+              <a:solidFill>
+                <a:srgbClr val="C00000"/>
+              </a:solidFill>
+            </a:endParaRPr>
+          </a:p>
+          <a:p>
+            <a:r>
+              <a:rPr lang="en-US" sz="1801" b="1" dirty="0">
+                <a:solidFill>
+                  <a:srgbClr val="0070C0"/>
+                </a:solidFill>
+              </a:rPr>
               <a:t>}</a:t>
             </a:r>
+            <a:endParaRPr lang="en-US" sz="1801" b="1" dirty="0">
+              <a:solidFill>
+                <a:srgbClr val="0070C0"/>
+              </a:solidFill>
+            </a:endParaRPr>
+          </a:p>
+          <a:p>
             <a:endParaRPr lang="en-US" sz="1801" b="1" dirty="0"/>
           </a:p>
           <a:p>
-            <a:endParaRPr lang="en-US" sz="1801" b="1" dirty="0" smtClean="0"/>
-          </a:p>
-          <a:p>
             <a:r>
               <a:rPr lang="en-US" sz="1801" b="1" dirty="0" smtClean="0">
                 <a:solidFill>
                   <a:srgbClr val="0070C0"/>
                 </a:solidFill>
               </a:rPr>
-              <a:t>7 doXXX (HSR</a:t>
+              <a:t> 7    doXXX </a:t>
+            </a:r>
+            <a:r>
+              <a:rPr lang="en-US" sz="1801" b="1" dirty="0" smtClean="0">
+                <a:solidFill>
+                  <a:srgbClr val="0070C0"/>
+                </a:solidFill>
+              </a:rPr>
+              <a:t>(HSR</a:t>
             </a:r>
             <a:r>
               <a:rPr lang="en-US" sz="1801" b="1" dirty="0">
@@ -40318,35 +40510,15 @@
                   <a:srgbClr val="0070C0"/>
                 </a:solidFill>
               </a:rPr>
-              <a:t>HSR){</a:t>
-            </a:r>
-          </a:p>
-          <a:p>
-            <a:r>
-              <a:rPr lang="en-US" sz="1801" b="1" dirty="0"/>
-              <a:t> </a:t>
-            </a:r>
-            <a:r>
-              <a:rPr lang="en-US" sz="1801" b="1" dirty="0" smtClean="0"/>
-              <a:t>   </a:t>
+              <a:t>HSR</a:t>
             </a:r>
             <a:r>
               <a:rPr lang="en-US" sz="1801" b="1" dirty="0" smtClean="0">
                 <a:solidFill>
-                  <a:srgbClr val="C00000"/>
+                  <a:srgbClr val="0070C0"/>
                 </a:solidFill>
               </a:rPr>
-              <a:t>Generate “405 Error Response”</a:t>
-            </a:r>
-          </a:p>
-          <a:p>
-            <a:r>
-              <a:rPr lang="en-US" sz="1801" b="1" dirty="0">
-                <a:solidFill>
-                  <a:srgbClr val="0070C0"/>
-                </a:solidFill>
-              </a:rPr>
-              <a:t>}</a:t>
+              <a:t>)  {</a:t>
             </a:r>
             <a:endParaRPr lang="en-US" sz="1801" b="1" dirty="0" smtClean="0">
               <a:solidFill>
@@ -40355,6 +40527,43 @@
             </a:endParaRPr>
           </a:p>
           <a:p>
+            <a:r>
+              <a:rPr lang="en-US" sz="1801" b="1" dirty="0"/>
+              <a:t> </a:t>
+            </a:r>
+            <a:r>
+              <a:rPr lang="en-US" sz="1801" b="1" dirty="0" smtClean="0"/>
+              <a:t>  </a:t>
+            </a:r>
+            <a:r>
+              <a:rPr lang="en-US" sz="1801" b="1" dirty="0" smtClean="0"/>
+              <a:t>         </a:t>
+            </a:r>
+            <a:r>
+              <a:rPr lang="en-US" sz="1801" b="1" dirty="0" smtClean="0">
+                <a:solidFill>
+                  <a:srgbClr val="C00000"/>
+                </a:solidFill>
+              </a:rPr>
+              <a:t>Generate “405 Error Response”</a:t>
+            </a:r>
+          </a:p>
+          <a:p>
+            <a:r>
+              <a:rPr lang="en-US" sz="1801" b="1" dirty="0" smtClean="0">
+                <a:solidFill>
+                  <a:srgbClr val="0070C0"/>
+                </a:solidFill>
+              </a:rPr>
+              <a:t>         }</a:t>
+            </a:r>
+            <a:endParaRPr lang="en-US" sz="1801" b="1" dirty="0" smtClean="0">
+              <a:solidFill>
+                <a:srgbClr val="0070C0"/>
+              </a:solidFill>
+            </a:endParaRPr>
+          </a:p>
+          <a:p>
             <a:endParaRPr lang="en-US" sz="1801" b="1" dirty="0" smtClean="0"/>
           </a:p>
         </p:txBody>
@@ -40367,7 +40576,7 @@
         </p:nvCxnSpPr>
         <p:spPr>
           <a:xfrm>
-            <a:off x="-10513" y="836712"/>
+            <a:off x="-10513" y="764704"/>
             <a:ext cx="9154513" cy="0"/>
           </a:xfrm>
           <a:prstGeom prst="line">
@@ -40398,7 +40607,7 @@
         </p:nvCxnSpPr>
         <p:spPr>
           <a:xfrm>
-            <a:off x="-3885" y="80645"/>
+            <a:off x="-3885" y="44549"/>
             <a:ext cx="9154513" cy="0"/>
           </a:xfrm>
           <a:prstGeom prst="line">
@@ -40429,7 +40638,7 @@
         </p:nvCxnSpPr>
         <p:spPr>
           <a:xfrm>
-            <a:off x="9076295" y="0"/>
+            <a:off x="9136455" y="12032"/>
             <a:ext cx="3622" cy="6864628"/>
           </a:xfrm>
           <a:prstGeom prst="line">
@@ -40459,7 +40668,7 @@
         </p:nvCxnSpPr>
         <p:spPr>
           <a:xfrm>
-            <a:off x="-14697" y="6726254"/>
+            <a:off x="-14697" y="6846574"/>
             <a:ext cx="9154513" cy="0"/>
           </a:xfrm>
           <a:prstGeom prst="line">
@@ -40490,7 +40699,7 @@
         </p:nvCxnSpPr>
         <p:spPr>
           <a:xfrm flipH="1">
-            <a:off x="3849748" y="44624"/>
+            <a:off x="3849748" y="56656"/>
             <a:ext cx="29861" cy="6757967"/>
           </a:xfrm>
           <a:prstGeom prst="line">
@@ -40553,7 +40762,7 @@
         </p:nvCxnSpPr>
         <p:spPr>
           <a:xfrm>
-            <a:off x="48730" y="6628"/>
+            <a:off x="-12448" y="6628"/>
             <a:ext cx="3622" cy="6864628"/>
           </a:xfrm>
           <a:prstGeom prst="line">
@@ -40583,7 +40792,7 @@
         </p:nvCxnSpPr>
         <p:spPr>
           <a:xfrm>
-            <a:off x="3905265" y="3050178"/>
+            <a:off x="3905265" y="3189377"/>
             <a:ext cx="5141064" cy="23599"/>
           </a:xfrm>
           <a:prstGeom prst="line">
@@ -40616,7 +40825,7 @@
         </p:nvCxnSpPr>
         <p:spPr>
           <a:xfrm>
-            <a:off x="3895107" y="5227082"/>
+            <a:off x="3895401" y="5565641"/>
             <a:ext cx="5141064" cy="23599"/>
           </a:xfrm>
           <a:prstGeom prst="line">
@@ -40641,6 +40850,45 @@
           </a:fontRef>
         </p:style>
       </p:cxnSp>
+      <p:sp>
+        <p:nvSpPr>
+          <p:cNvPr id="16" name="Flowchart: Connector 15"/>
+          <p:cNvSpPr/>
+          <p:nvPr/>
+        </p:nvSpPr>
+        <p:spPr>
+          <a:xfrm>
+            <a:off x="3943111" y="5723718"/>
+            <a:ext cx="331959" cy="345502"/>
+          </a:xfrm>
+          <a:prstGeom prst="flowChartConnector">
+            <a:avLst/>
+          </a:prstGeom>
+          <a:noFill/>
+        </p:spPr>
+        <p:style>
+          <a:lnRef idx="2">
+            <a:schemeClr val="accent1"/>
+          </a:lnRef>
+          <a:fillRef idx="1">
+            <a:schemeClr val="lt1"/>
+          </a:fillRef>
+          <a:effectRef idx="0">
+            <a:schemeClr val="accent1"/>
+          </a:effectRef>
+          <a:fontRef idx="minor">
+            <a:schemeClr val="dk1"/>
+          </a:fontRef>
+        </p:style>
+        <p:txBody>
+          <a:bodyPr rtlCol="0" anchor="ctr"/>
+          <a:lstStyle/>
+          <a:p>
+            <a:pPr algn="ctr"/>
+            <a:endParaRPr lang="en-IN" sz="1801" dirty="0"/>
+          </a:p>
+        </p:txBody>
+      </p:sp>
     </p:spTree>
     <p:extLst>
       <p:ext uri="{BB962C8B-B14F-4D97-AF65-F5344CB8AC3E}">

--- a/11. Others/A. PPTs/Servlets & JSP.pptx
+++ b/11. Others/A. PPTs/Servlets & JSP.pptx
@@ -5760,7 +5760,7 @@
           <a:p>
             <a:fld id="{4D5E6690-03A7-49E8-BBE8-9FAB747999F4}" type="datetimeFigureOut">
               <a:rPr lang="en-US" smtClean="0"/>
-              <a:t>10/19/2017</a:t>
+              <a:t>11/2/2017</a:t>
             </a:fld>
             <a:endParaRPr lang="en-US" dirty="0"/>
           </a:p>
@@ -7005,7 +7005,7 @@
           <a:p>
             <a:fld id="{F91BD43F-C672-4ED4-8CF3-4F6C72EB09E5}" type="datetimeFigureOut">
               <a:rPr lang="en-IN" smtClean="0"/>
-              <a:t>19-10-2017</a:t>
+              <a:t>02-11-2017</a:t>
             </a:fld>
             <a:endParaRPr lang="en-IN" dirty="0"/>
           </a:p>
@@ -7175,7 +7175,7 @@
           <a:p>
             <a:fld id="{F91BD43F-C672-4ED4-8CF3-4F6C72EB09E5}" type="datetimeFigureOut">
               <a:rPr lang="en-IN" smtClean="0"/>
-              <a:t>19-10-2017</a:t>
+              <a:t>02-11-2017</a:t>
             </a:fld>
             <a:endParaRPr lang="en-IN" dirty="0"/>
           </a:p>
@@ -7355,7 +7355,7 @@
           <a:p>
             <a:fld id="{F91BD43F-C672-4ED4-8CF3-4F6C72EB09E5}" type="datetimeFigureOut">
               <a:rPr lang="en-IN" smtClean="0"/>
-              <a:t>19-10-2017</a:t>
+              <a:t>02-11-2017</a:t>
             </a:fld>
             <a:endParaRPr lang="en-IN" dirty="0"/>
           </a:p>
@@ -7525,7 +7525,7 @@
           <a:p>
             <a:fld id="{F91BD43F-C672-4ED4-8CF3-4F6C72EB09E5}" type="datetimeFigureOut">
               <a:rPr lang="en-IN" smtClean="0"/>
-              <a:t>19-10-2017</a:t>
+              <a:t>02-11-2017</a:t>
             </a:fld>
             <a:endParaRPr lang="en-IN" dirty="0"/>
           </a:p>
@@ -7771,7 +7771,7 @@
           <a:p>
             <a:fld id="{F91BD43F-C672-4ED4-8CF3-4F6C72EB09E5}" type="datetimeFigureOut">
               <a:rPr lang="en-IN" smtClean="0"/>
-              <a:t>19-10-2017</a:t>
+              <a:t>02-11-2017</a:t>
             </a:fld>
             <a:endParaRPr lang="en-IN" dirty="0"/>
           </a:p>
@@ -8059,7 +8059,7 @@
           <a:p>
             <a:fld id="{F91BD43F-C672-4ED4-8CF3-4F6C72EB09E5}" type="datetimeFigureOut">
               <a:rPr lang="en-IN" smtClean="0"/>
-              <a:t>19-10-2017</a:t>
+              <a:t>02-11-2017</a:t>
             </a:fld>
             <a:endParaRPr lang="en-IN" dirty="0"/>
           </a:p>
@@ -8481,7 +8481,7 @@
           <a:p>
             <a:fld id="{F91BD43F-C672-4ED4-8CF3-4F6C72EB09E5}" type="datetimeFigureOut">
               <a:rPr lang="en-IN" smtClean="0"/>
-              <a:t>19-10-2017</a:t>
+              <a:t>02-11-2017</a:t>
             </a:fld>
             <a:endParaRPr lang="en-IN" dirty="0"/>
           </a:p>
@@ -8599,7 +8599,7 @@
           <a:p>
             <a:fld id="{F91BD43F-C672-4ED4-8CF3-4F6C72EB09E5}" type="datetimeFigureOut">
               <a:rPr lang="en-IN" smtClean="0"/>
-              <a:t>19-10-2017</a:t>
+              <a:t>02-11-2017</a:t>
             </a:fld>
             <a:endParaRPr lang="en-IN" dirty="0"/>
           </a:p>
@@ -8694,7 +8694,7 @@
           <a:p>
             <a:fld id="{F91BD43F-C672-4ED4-8CF3-4F6C72EB09E5}" type="datetimeFigureOut">
               <a:rPr lang="en-IN" smtClean="0"/>
-              <a:t>19-10-2017</a:t>
+              <a:t>02-11-2017</a:t>
             </a:fld>
             <a:endParaRPr lang="en-IN" dirty="0"/>
           </a:p>
@@ -8971,7 +8971,7 @@
           <a:p>
             <a:fld id="{F91BD43F-C672-4ED4-8CF3-4F6C72EB09E5}" type="datetimeFigureOut">
               <a:rPr lang="en-IN" smtClean="0"/>
-              <a:t>19-10-2017</a:t>
+              <a:t>02-11-2017</a:t>
             </a:fld>
             <a:endParaRPr lang="en-IN" dirty="0"/>
           </a:p>
@@ -9224,7 +9224,7 @@
           <a:p>
             <a:fld id="{F91BD43F-C672-4ED4-8CF3-4F6C72EB09E5}" type="datetimeFigureOut">
               <a:rPr lang="en-IN" smtClean="0"/>
-              <a:t>19-10-2017</a:t>
+              <a:t>02-11-2017</a:t>
             </a:fld>
             <a:endParaRPr lang="en-IN" dirty="0"/>
           </a:p>
@@ -9437,7 +9437,7 @@
           <a:p>
             <a:fld id="{F91BD43F-C672-4ED4-8CF3-4F6C72EB09E5}" type="datetimeFigureOut">
               <a:rPr lang="en-IN" smtClean="0"/>
-              <a:t>19-10-2017</a:t>
+              <a:t>02-11-2017</a:t>
             </a:fld>
             <a:endParaRPr lang="en-IN" dirty="0"/>
           </a:p>
@@ -52541,7 +52541,7 @@
         <p:spPr>
           <a:xfrm>
             <a:off x="20016" y="2330307"/>
-            <a:ext cx="3423511" cy="2093522"/>
+            <a:ext cx="4263952" cy="1785745"/>
           </a:xfrm>
           <a:prstGeom prst="rect">
             <a:avLst/>
@@ -52560,13 +52560,23 @@
             </a:r>
             <a:r>
               <a:rPr lang="en-IN" sz="2000" b="1" u="sng" dirty="0" smtClean="0"/>
-              <a:t>elements / components of </a:t>
-            </a:r>
-          </a:p>
-          <a:p>
+              <a:t>elements </a:t>
+            </a:r>
             <a:r>
               <a:rPr lang="en-IN" sz="2000" b="1" u="sng" dirty="0" smtClean="0"/>
-              <a:t>HTTP Request are :</a:t>
+              <a:t>of HTTP </a:t>
+            </a:r>
+            <a:r>
+              <a:rPr lang="en-IN" sz="2000" b="1" u="sng" dirty="0" smtClean="0"/>
+              <a:t>Request </a:t>
+            </a:r>
+            <a:r>
+              <a:rPr lang="en-IN" sz="2000" b="1" u="sng" dirty="0" smtClean="0"/>
+              <a:t>are </a:t>
+            </a:r>
+            <a:r>
+              <a:rPr lang="en-IN" sz="2000" b="1" u="sng" dirty="0" smtClean="0"/>
+              <a:t>:</a:t>
             </a:r>
           </a:p>
           <a:p>
@@ -52578,13 +52588,18 @@
               <a:buAutoNum type="arabicPeriod"/>
             </a:pPr>
             <a:r>
-              <a:rPr lang="en-IN" sz="1801" b="1" dirty="0">
+              <a:rPr lang="en-IN" sz="1801" b="1" dirty="0" smtClean="0">
                 <a:solidFill>
                   <a:srgbClr val="FF0000"/>
                 </a:solidFill>
               </a:rPr>
-              <a:t>URL</a:t>
-            </a:r>
+              <a:t>Web URL</a:t>
+            </a:r>
+            <a:endParaRPr lang="en-IN" sz="1801" b="1" dirty="0">
+              <a:solidFill>
+                <a:srgbClr val="FF0000"/>
+              </a:solidFill>
+            </a:endParaRPr>
           </a:p>
           <a:p>
             <a:pPr marL="342904" indent="-342904">
@@ -52629,8 +52644,8 @@
         </p:nvSpPr>
         <p:spPr>
           <a:xfrm>
-            <a:off x="5632478" y="2191744"/>
-            <a:ext cx="3525241" cy="2370649"/>
+            <a:off x="4981715" y="2330306"/>
+            <a:ext cx="4225679" cy="1785745"/>
           </a:xfrm>
           <a:prstGeom prst="rect">
             <a:avLst/>
@@ -52649,13 +52664,7 @@
             </a:r>
             <a:r>
               <a:rPr lang="en-IN" sz="2000" b="1" u="sng" dirty="0" smtClean="0"/>
-              <a:t>/components of </a:t>
-            </a:r>
-          </a:p>
-          <a:p>
-            <a:r>
-              <a:rPr lang="en-IN" sz="2000" b="1" u="sng" dirty="0" smtClean="0"/>
-              <a:t>HTTP </a:t>
+              <a:t>of HTTP </a:t>
             </a:r>
             <a:r>
               <a:rPr lang="en-IN" sz="2000" b="1" u="sng" dirty="0"/>
@@ -52694,18 +52703,9 @@
               <a:buAutoNum type="arabicPeriod"/>
             </a:pPr>
             <a:r>
-              <a:rPr lang="en-IN" sz="1801" b="1" dirty="0" smtClean="0"/>
-              <a:t>Content Type </a:t>
-            </a:r>
-            <a:r>
               <a:rPr lang="en-IN" sz="1801" b="1" dirty="0"/>
-              <a:t>(if any</a:t>
-            </a:r>
-            <a:r>
-              <a:rPr lang="en-IN" sz="1801" b="1" dirty="0" smtClean="0"/>
-              <a:t>)</a:t>
-            </a:r>
-            <a:endParaRPr lang="en-IN" sz="1801" b="1" dirty="0"/>
+              <a:t>Actual Content (if any)</a:t>
+            </a:r>
           </a:p>
           <a:p>
             <a:pPr marL="342904" indent="-342904">
@@ -52714,8 +52714,21 @@
             </a:pPr>
             <a:r>
               <a:rPr lang="en-IN" sz="1801" b="1" dirty="0" smtClean="0"/>
-              <a:t>Actual Content (if any)</a:t>
-            </a:r>
+              <a:t>Content </a:t>
+            </a:r>
+            <a:r>
+              <a:rPr lang="en-IN" sz="1801" b="1" dirty="0" smtClean="0"/>
+              <a:t>Type </a:t>
+            </a:r>
+            <a:r>
+              <a:rPr lang="en-IN" sz="1801" b="1" dirty="0"/>
+              <a:t>(if any</a:t>
+            </a:r>
+            <a:r>
+              <a:rPr lang="en-IN" sz="1801" b="1" dirty="0" smtClean="0"/>
+              <a:t>)</a:t>
+            </a:r>
+            <a:endParaRPr lang="en-IN" sz="1801" b="1" dirty="0"/>
           </a:p>
           <a:p>
             <a:pPr marL="342904" indent="-342904">
@@ -52728,14 +52741,13 @@
             </a:r>
             <a:r>
               <a:rPr lang="en-IN" sz="1801" b="1" dirty="0"/>
-              <a:t>(if any)</a:t>
-            </a:r>
-          </a:p>
-          <a:p>
-            <a:pPr marL="342904" indent="-342904">
-              <a:buAutoNum type="arabicPeriod" startAt="4"/>
-            </a:pPr>
-            <a:endParaRPr lang="en-IN" sz="1801" dirty="0"/>
+              <a:t>(if any</a:t>
+            </a:r>
+            <a:r>
+              <a:rPr lang="en-IN" sz="1801" b="1" dirty="0" smtClean="0"/>
+              <a:t>)</a:t>
+            </a:r>
+            <a:endParaRPr lang="en-IN" sz="1801" b="1" dirty="0"/>
           </a:p>
         </p:txBody>
       </p:sp>

--- a/11. Others/A. PPTs/Servlets & JSP.pptx
+++ b/11. Others/A. PPTs/Servlets & JSP.pptx
@@ -2437,1743 +2437,6 @@
       <dsp:cNvGrpSpPr/>
     </dsp:nvGrpSpPr>
     <dsp:grpSpPr/>
-    <dsp:sp modelId="{9803BE37-3D9A-4C81-90E6-FA9E06BAE000}">
-      <dsp:nvSpPr>
-        <dsp:cNvPr id="0" name=""/>
-        <dsp:cNvSpPr/>
-      </dsp:nvSpPr>
-      <dsp:spPr>
-        <a:xfrm>
-          <a:off x="0" y="3199"/>
-          <a:ext cx="8784976" cy="0"/>
-        </a:xfrm>
-        <a:prstGeom prst="line">
-          <a:avLst/>
-        </a:prstGeom>
-        <a:solidFill>
-          <a:schemeClr val="accent1">
-            <a:hueOff val="0"/>
-            <a:satOff val="0"/>
-            <a:lumOff val="0"/>
-            <a:alphaOff val="0"/>
-          </a:schemeClr>
-        </a:solidFill>
-        <a:ln w="25400" cap="flat" cmpd="sng" algn="ctr">
-          <a:solidFill>
-            <a:schemeClr val="accent1">
-              <a:hueOff val="0"/>
-              <a:satOff val="0"/>
-              <a:lumOff val="0"/>
-              <a:alphaOff val="0"/>
-            </a:schemeClr>
-          </a:solidFill>
-          <a:prstDash val="solid"/>
-        </a:ln>
-        <a:effectLst/>
-      </dsp:spPr>
-      <dsp:style>
-        <a:lnRef idx="2">
-          <a:scrgbClr r="0" g="0" b="0"/>
-        </a:lnRef>
-        <a:fillRef idx="1">
-          <a:scrgbClr r="0" g="0" b="0"/>
-        </a:fillRef>
-        <a:effectRef idx="0">
-          <a:scrgbClr r="0" g="0" b="0"/>
-        </a:effectRef>
-        <a:fontRef idx="minor">
-          <a:schemeClr val="lt1"/>
-        </a:fontRef>
-      </dsp:style>
-    </dsp:sp>
-    <dsp:sp modelId="{D559DA67-C88E-4EC2-9CD0-E84FB41AEDF2}">
-      <dsp:nvSpPr>
-        <dsp:cNvPr id="0" name=""/>
-        <dsp:cNvSpPr/>
-      </dsp:nvSpPr>
-      <dsp:spPr>
-        <a:xfrm>
-          <a:off x="0" y="3199"/>
-          <a:ext cx="1756995" cy="6546329"/>
-        </a:xfrm>
-        <a:prstGeom prst="rect">
-          <a:avLst/>
-        </a:prstGeom>
-        <a:noFill/>
-        <a:ln>
-          <a:noFill/>
-        </a:ln>
-        <a:effectLst/>
-      </dsp:spPr>
-      <dsp:style>
-        <a:lnRef idx="0">
-          <a:scrgbClr r="0" g="0" b="0"/>
-        </a:lnRef>
-        <a:fillRef idx="0">
-          <a:scrgbClr r="0" g="0" b="0"/>
-        </a:fillRef>
-        <a:effectRef idx="0">
-          <a:scrgbClr r="0" g="0" b="0"/>
-        </a:effectRef>
-        <a:fontRef idx="minor"/>
-      </dsp:style>
-      <dsp:txBody>
-        <a:bodyPr spcFirstLastPara="0" vert="horz" wrap="square" lIns="106680" tIns="106680" rIns="106680" bIns="106680" numCol="1" spcCol="1270" anchor="t" anchorCtr="0">
-          <a:noAutofit/>
-        </a:bodyPr>
-        <a:lstStyle/>
-        <a:p>
-          <a:pPr lvl="0" algn="l" defTabSz="1244600">
-            <a:lnSpc>
-              <a:spcPct val="90000"/>
-            </a:lnSpc>
-            <a:spcBef>
-              <a:spcPct val="0"/>
-            </a:spcBef>
-            <a:spcAft>
-              <a:spcPct val="35000"/>
-            </a:spcAft>
-          </a:pPr>
-          <a:r>
-            <a:rPr lang="en-US" sz="2800" kern="1200" smtClean="0"/>
-            <a:t>JSP Tags</a:t>
-          </a:r>
-          <a:endParaRPr lang="en-IN" sz="2800" kern="1200"/>
-        </a:p>
-      </dsp:txBody>
-      <dsp:txXfrm>
-        <a:off x="0" y="3199"/>
-        <a:ext cx="1756995" cy="6546329"/>
-      </dsp:txXfrm>
-    </dsp:sp>
-    <dsp:sp modelId="{169FEA4B-1E82-4E6A-BEDD-652A30B77F03}">
-      <dsp:nvSpPr>
-        <dsp:cNvPr id="0" name=""/>
-        <dsp:cNvSpPr/>
-      </dsp:nvSpPr>
-      <dsp:spPr>
-        <a:xfrm>
-          <a:off x="1888769" y="130098"/>
-          <a:ext cx="4237299" cy="763957"/>
-        </a:xfrm>
-        <a:prstGeom prst="rect">
-          <a:avLst/>
-        </a:prstGeom>
-        <a:noFill/>
-        <a:ln>
-          <a:noFill/>
-        </a:ln>
-        <a:effectLst/>
-      </dsp:spPr>
-      <dsp:style>
-        <a:lnRef idx="0">
-          <a:scrgbClr r="0" g="0" b="0"/>
-        </a:lnRef>
-        <a:fillRef idx="0">
-          <a:scrgbClr r="0" g="0" b="0"/>
-        </a:fillRef>
-        <a:effectRef idx="0">
-          <a:scrgbClr r="0" g="0" b="0"/>
-        </a:effectRef>
-        <a:fontRef idx="minor"/>
-      </dsp:style>
-      <dsp:txBody>
-        <a:bodyPr spcFirstLastPara="0" vert="horz" wrap="square" lIns="91440" tIns="91440" rIns="91440" bIns="91440" numCol="1" spcCol="1270" anchor="t" anchorCtr="0">
-          <a:noAutofit/>
-        </a:bodyPr>
-        <a:lstStyle/>
-        <a:p>
-          <a:pPr lvl="0" algn="l" defTabSz="1066800">
-            <a:lnSpc>
-              <a:spcPct val="90000"/>
-            </a:lnSpc>
-            <a:spcBef>
-              <a:spcPct val="0"/>
-            </a:spcBef>
-            <a:spcAft>
-              <a:spcPct val="35000"/>
-            </a:spcAft>
-          </a:pPr>
-          <a:r>
-            <a:rPr lang="en-US" sz="2400" kern="1200" smtClean="0"/>
-            <a:t>Declaration Tag</a:t>
-          </a:r>
-          <a:endParaRPr lang="en-IN" sz="2400" kern="1200"/>
-        </a:p>
-      </dsp:txBody>
-      <dsp:txXfrm>
-        <a:off x="1888769" y="130098"/>
-        <a:ext cx="4237299" cy="763957"/>
-      </dsp:txXfrm>
-    </dsp:sp>
-    <dsp:sp modelId="{682C346B-0D9A-4F02-8C4D-297BF6C254D8}">
-      <dsp:nvSpPr>
-        <dsp:cNvPr id="0" name=""/>
-        <dsp:cNvSpPr/>
-      </dsp:nvSpPr>
-      <dsp:spPr>
-        <a:xfrm>
-          <a:off x="1756995" y="894056"/>
-          <a:ext cx="7027980" cy="0"/>
-        </a:xfrm>
-        <a:prstGeom prst="line">
-          <a:avLst/>
-        </a:prstGeom>
-        <a:solidFill>
-          <a:schemeClr val="accent1">
-            <a:hueOff val="0"/>
-            <a:satOff val="0"/>
-            <a:lumOff val="0"/>
-            <a:alphaOff val="0"/>
-          </a:schemeClr>
-        </a:solidFill>
-        <a:ln w="25400" cap="flat" cmpd="sng" algn="ctr">
-          <a:solidFill>
-            <a:schemeClr val="accent1">
-              <a:tint val="50000"/>
-              <a:hueOff val="0"/>
-              <a:satOff val="0"/>
-              <a:lumOff val="0"/>
-              <a:alphaOff val="0"/>
-            </a:schemeClr>
-          </a:solidFill>
-          <a:prstDash val="solid"/>
-        </a:ln>
-        <a:effectLst/>
-      </dsp:spPr>
-      <dsp:style>
-        <a:lnRef idx="2">
-          <a:scrgbClr r="0" g="0" b="0"/>
-        </a:lnRef>
-        <a:fillRef idx="1">
-          <a:scrgbClr r="0" g="0" b="0"/>
-        </a:fillRef>
-        <a:effectRef idx="0">
-          <a:scrgbClr r="0" g="0" b="0"/>
-        </a:effectRef>
-        <a:fontRef idx="minor"/>
-      </dsp:style>
-    </dsp:sp>
-    <dsp:sp modelId="{B6942970-8A81-4502-9520-D842EF452133}">
-      <dsp:nvSpPr>
-        <dsp:cNvPr id="0" name=""/>
-        <dsp:cNvSpPr/>
-      </dsp:nvSpPr>
-      <dsp:spPr>
-        <a:xfrm>
-          <a:off x="1888769" y="1020955"/>
-          <a:ext cx="3517228" cy="688960"/>
-        </a:xfrm>
-        <a:prstGeom prst="rect">
-          <a:avLst/>
-        </a:prstGeom>
-        <a:noFill/>
-        <a:ln>
-          <a:noFill/>
-        </a:ln>
-        <a:effectLst/>
-      </dsp:spPr>
-      <dsp:style>
-        <a:lnRef idx="0">
-          <a:scrgbClr r="0" g="0" b="0"/>
-        </a:lnRef>
-        <a:fillRef idx="0">
-          <a:scrgbClr r="0" g="0" b="0"/>
-        </a:fillRef>
-        <a:effectRef idx="0">
-          <a:scrgbClr r="0" g="0" b="0"/>
-        </a:effectRef>
-        <a:fontRef idx="minor"/>
-      </dsp:style>
-      <dsp:txBody>
-        <a:bodyPr spcFirstLastPara="0" vert="horz" wrap="square" lIns="91440" tIns="91440" rIns="91440" bIns="91440" numCol="1" spcCol="1270" anchor="t" anchorCtr="0">
-          <a:noAutofit/>
-        </a:bodyPr>
-        <a:lstStyle/>
-        <a:p>
-          <a:pPr lvl="0" algn="l" defTabSz="1066800">
-            <a:lnSpc>
-              <a:spcPct val="90000"/>
-            </a:lnSpc>
-            <a:spcBef>
-              <a:spcPct val="0"/>
-            </a:spcBef>
-            <a:spcAft>
-              <a:spcPct val="35000"/>
-            </a:spcAft>
-          </a:pPr>
-          <a:r>
-            <a:rPr lang="en-US" sz="2400" kern="1200" smtClean="0"/>
-            <a:t>Expression Tag</a:t>
-          </a:r>
-          <a:endParaRPr lang="en-IN" sz="2400" kern="1200"/>
-        </a:p>
-      </dsp:txBody>
-      <dsp:txXfrm>
-        <a:off x="1888769" y="1020955"/>
-        <a:ext cx="3517228" cy="688960"/>
-      </dsp:txXfrm>
-    </dsp:sp>
-    <dsp:sp modelId="{3853D9D4-6FE3-4277-A423-A92D1183632A}">
-      <dsp:nvSpPr>
-        <dsp:cNvPr id="0" name=""/>
-        <dsp:cNvSpPr/>
-      </dsp:nvSpPr>
-      <dsp:spPr>
-        <a:xfrm>
-          <a:off x="1756995" y="1709915"/>
-          <a:ext cx="7027980" cy="0"/>
-        </a:xfrm>
-        <a:prstGeom prst="line">
-          <a:avLst/>
-        </a:prstGeom>
-        <a:solidFill>
-          <a:schemeClr val="accent1">
-            <a:hueOff val="0"/>
-            <a:satOff val="0"/>
-            <a:lumOff val="0"/>
-            <a:alphaOff val="0"/>
-          </a:schemeClr>
-        </a:solidFill>
-        <a:ln w="25400" cap="flat" cmpd="sng" algn="ctr">
-          <a:solidFill>
-            <a:schemeClr val="accent1">
-              <a:tint val="50000"/>
-              <a:hueOff val="0"/>
-              <a:satOff val="0"/>
-              <a:lumOff val="0"/>
-              <a:alphaOff val="0"/>
-            </a:schemeClr>
-          </a:solidFill>
-          <a:prstDash val="solid"/>
-        </a:ln>
-        <a:effectLst/>
-      </dsp:spPr>
-      <dsp:style>
-        <a:lnRef idx="2">
-          <a:scrgbClr r="0" g="0" b="0"/>
-        </a:lnRef>
-        <a:fillRef idx="1">
-          <a:scrgbClr r="0" g="0" b="0"/>
-        </a:fillRef>
-        <a:effectRef idx="0">
-          <a:scrgbClr r="0" g="0" b="0"/>
-        </a:effectRef>
-        <a:fontRef idx="minor"/>
-      </dsp:style>
-    </dsp:sp>
-    <dsp:sp modelId="{F1F43E86-D782-4EAB-AF8E-A92411B986FE}">
-      <dsp:nvSpPr>
-        <dsp:cNvPr id="0" name=""/>
-        <dsp:cNvSpPr/>
-      </dsp:nvSpPr>
-      <dsp:spPr>
-        <a:xfrm>
-          <a:off x="1888769" y="1836814"/>
-          <a:ext cx="2210299" cy="748146"/>
-        </a:xfrm>
-        <a:prstGeom prst="rect">
-          <a:avLst/>
-        </a:prstGeom>
-        <a:noFill/>
-        <a:ln>
-          <a:noFill/>
-        </a:ln>
-        <a:effectLst/>
-      </dsp:spPr>
-      <dsp:style>
-        <a:lnRef idx="0">
-          <a:scrgbClr r="0" g="0" b="0"/>
-        </a:lnRef>
-        <a:fillRef idx="0">
-          <a:scrgbClr r="0" g="0" b="0"/>
-        </a:fillRef>
-        <a:effectRef idx="0">
-          <a:scrgbClr r="0" g="0" b="0"/>
-        </a:effectRef>
-        <a:fontRef idx="minor"/>
-      </dsp:style>
-      <dsp:txBody>
-        <a:bodyPr spcFirstLastPara="0" vert="horz" wrap="square" lIns="91440" tIns="91440" rIns="91440" bIns="91440" numCol="1" spcCol="1270" anchor="t" anchorCtr="0">
-          <a:noAutofit/>
-        </a:bodyPr>
-        <a:lstStyle/>
-        <a:p>
-          <a:pPr lvl="0" algn="l" defTabSz="1066800">
-            <a:lnSpc>
-              <a:spcPct val="90000"/>
-            </a:lnSpc>
-            <a:spcBef>
-              <a:spcPct val="0"/>
-            </a:spcBef>
-            <a:spcAft>
-              <a:spcPct val="35000"/>
-            </a:spcAft>
-          </a:pPr>
-          <a:r>
-            <a:rPr lang="en-US" sz="2400" kern="1200" smtClean="0"/>
-            <a:t>Scriptlet Tag</a:t>
-          </a:r>
-          <a:endParaRPr lang="en-IN" sz="2400" kern="1200"/>
-        </a:p>
-      </dsp:txBody>
-      <dsp:txXfrm>
-        <a:off x="1888769" y="1836814"/>
-        <a:ext cx="2210299" cy="748146"/>
-      </dsp:txXfrm>
-    </dsp:sp>
-    <dsp:sp modelId="{39241DEB-5333-4D9A-A5BC-B5B002FFDF9E}">
-      <dsp:nvSpPr>
-        <dsp:cNvPr id="0" name=""/>
-        <dsp:cNvSpPr/>
-      </dsp:nvSpPr>
-      <dsp:spPr>
-        <a:xfrm>
-          <a:off x="1756995" y="2584961"/>
-          <a:ext cx="7027980" cy="0"/>
-        </a:xfrm>
-        <a:prstGeom prst="line">
-          <a:avLst/>
-        </a:prstGeom>
-        <a:solidFill>
-          <a:schemeClr val="accent1">
-            <a:hueOff val="0"/>
-            <a:satOff val="0"/>
-            <a:lumOff val="0"/>
-            <a:alphaOff val="0"/>
-          </a:schemeClr>
-        </a:solidFill>
-        <a:ln w="25400" cap="flat" cmpd="sng" algn="ctr">
-          <a:solidFill>
-            <a:schemeClr val="accent1">
-              <a:tint val="50000"/>
-              <a:hueOff val="0"/>
-              <a:satOff val="0"/>
-              <a:lumOff val="0"/>
-              <a:alphaOff val="0"/>
-            </a:schemeClr>
-          </a:solidFill>
-          <a:prstDash val="solid"/>
-        </a:ln>
-        <a:effectLst/>
-      </dsp:spPr>
-      <dsp:style>
-        <a:lnRef idx="2">
-          <a:scrgbClr r="0" g="0" b="0"/>
-        </a:lnRef>
-        <a:fillRef idx="1">
-          <a:scrgbClr r="0" g="0" b="0"/>
-        </a:fillRef>
-        <a:effectRef idx="0">
-          <a:scrgbClr r="0" g="0" b="0"/>
-        </a:effectRef>
-        <a:fontRef idx="minor"/>
-      </dsp:style>
-    </dsp:sp>
-    <dsp:sp modelId="{CCE0FA9A-1699-48BD-9213-22E032F95771}">
-      <dsp:nvSpPr>
-        <dsp:cNvPr id="0" name=""/>
-        <dsp:cNvSpPr/>
-      </dsp:nvSpPr>
-      <dsp:spPr>
-        <a:xfrm>
-          <a:off x="1888769" y="2711860"/>
-          <a:ext cx="2210299" cy="944890"/>
-        </a:xfrm>
-        <a:prstGeom prst="rect">
-          <a:avLst/>
-        </a:prstGeom>
-        <a:noFill/>
-        <a:ln>
-          <a:noFill/>
-        </a:ln>
-        <a:effectLst/>
-      </dsp:spPr>
-      <dsp:style>
-        <a:lnRef idx="0">
-          <a:scrgbClr r="0" g="0" b="0"/>
-        </a:lnRef>
-        <a:fillRef idx="0">
-          <a:scrgbClr r="0" g="0" b="0"/>
-        </a:fillRef>
-        <a:effectRef idx="0">
-          <a:scrgbClr r="0" g="0" b="0"/>
-        </a:effectRef>
-        <a:fontRef idx="minor"/>
-      </dsp:style>
-      <dsp:txBody>
-        <a:bodyPr spcFirstLastPara="0" vert="horz" wrap="square" lIns="91440" tIns="91440" rIns="91440" bIns="91440" numCol="1" spcCol="1270" anchor="t" anchorCtr="0">
-          <a:noAutofit/>
-        </a:bodyPr>
-        <a:lstStyle/>
-        <a:p>
-          <a:pPr lvl="0" algn="l" defTabSz="1066800">
-            <a:lnSpc>
-              <a:spcPct val="90000"/>
-            </a:lnSpc>
-            <a:spcBef>
-              <a:spcPct val="0"/>
-            </a:spcBef>
-            <a:spcAft>
-              <a:spcPct val="35000"/>
-            </a:spcAft>
-          </a:pPr>
-          <a:r>
-            <a:rPr lang="en-US" sz="2400" kern="1200" smtClean="0"/>
-            <a:t>Action Tag</a:t>
-          </a:r>
-          <a:endParaRPr lang="en-IN" sz="2400" kern="1200"/>
-        </a:p>
-      </dsp:txBody>
-      <dsp:txXfrm>
-        <a:off x="1888769" y="2711860"/>
-        <a:ext cx="2210299" cy="944890"/>
-      </dsp:txXfrm>
-    </dsp:sp>
-    <dsp:sp modelId="{03F71D1C-52E7-45E9-95DC-5D8FB444915D}">
-      <dsp:nvSpPr>
-        <dsp:cNvPr id="0" name=""/>
-        <dsp:cNvSpPr/>
-      </dsp:nvSpPr>
-      <dsp:spPr>
-        <a:xfrm>
-          <a:off x="4176471" y="2567779"/>
-          <a:ext cx="2210299" cy="368591"/>
-        </a:xfrm>
-        <a:prstGeom prst="rect">
-          <a:avLst/>
-        </a:prstGeom>
-        <a:noFill/>
-        <a:ln>
-          <a:noFill/>
-        </a:ln>
-        <a:effectLst/>
-      </dsp:spPr>
-      <dsp:style>
-        <a:lnRef idx="0">
-          <a:scrgbClr r="0" g="0" b="0"/>
-        </a:lnRef>
-        <a:fillRef idx="0">
-          <a:scrgbClr r="0" g="0" b="0"/>
-        </a:fillRef>
-        <a:effectRef idx="0">
-          <a:scrgbClr r="0" g="0" b="0"/>
-        </a:effectRef>
-        <a:fontRef idx="minor"/>
-      </dsp:style>
-      <dsp:txBody>
-        <a:bodyPr spcFirstLastPara="0" vert="horz" wrap="square" lIns="68580" tIns="68580" rIns="68580" bIns="68580" numCol="1" spcCol="1270" anchor="t" anchorCtr="0">
-          <a:noAutofit/>
-        </a:bodyPr>
-        <a:lstStyle/>
-        <a:p>
-          <a:pPr lvl="0" algn="l" defTabSz="800100">
-            <a:lnSpc>
-              <a:spcPct val="90000"/>
-            </a:lnSpc>
-            <a:spcBef>
-              <a:spcPct val="0"/>
-            </a:spcBef>
-            <a:spcAft>
-              <a:spcPct val="35000"/>
-            </a:spcAft>
-          </a:pPr>
-          <a:r>
-            <a:rPr lang="en-US" sz="1800" kern="1200" smtClean="0"/>
-            <a:t>Include Action</a:t>
-          </a:r>
-          <a:endParaRPr lang="en-IN" sz="1800" kern="1200"/>
-        </a:p>
-      </dsp:txBody>
-      <dsp:txXfrm>
-        <a:off x="4176471" y="2567779"/>
-        <a:ext cx="2210299" cy="368591"/>
-      </dsp:txXfrm>
-    </dsp:sp>
-    <dsp:sp modelId="{EAF9631E-B57D-49FF-8891-7216FCA17ADF}">
-      <dsp:nvSpPr>
-        <dsp:cNvPr id="0" name=""/>
-        <dsp:cNvSpPr/>
-      </dsp:nvSpPr>
-      <dsp:spPr>
-        <a:xfrm>
-          <a:off x="4100826" y="2986188"/>
-          <a:ext cx="4684149" cy="0"/>
-        </a:xfrm>
-        <a:prstGeom prst="line">
-          <a:avLst/>
-        </a:prstGeom>
-        <a:solidFill>
-          <a:schemeClr val="accent1">
-            <a:hueOff val="0"/>
-            <a:satOff val="0"/>
-            <a:lumOff val="0"/>
-            <a:alphaOff val="0"/>
-          </a:schemeClr>
-        </a:solidFill>
-        <a:ln w="25400" cap="flat" cmpd="sng" algn="ctr">
-          <a:solidFill>
-            <a:schemeClr val="accent1">
-              <a:tint val="50000"/>
-              <a:hueOff val="0"/>
-              <a:satOff val="0"/>
-              <a:lumOff val="0"/>
-              <a:alphaOff val="0"/>
-            </a:schemeClr>
-          </a:solidFill>
-          <a:prstDash val="solid"/>
-        </a:ln>
-        <a:effectLst/>
-      </dsp:spPr>
-      <dsp:style>
-        <a:lnRef idx="2">
-          <a:scrgbClr r="0" g="0" b="0"/>
-        </a:lnRef>
-        <a:fillRef idx="1">
-          <a:scrgbClr r="0" g="0" b="0"/>
-        </a:fillRef>
-        <a:effectRef idx="0">
-          <a:scrgbClr r="0" g="0" b="0"/>
-        </a:effectRef>
-        <a:fontRef idx="minor"/>
-      </dsp:style>
-    </dsp:sp>
-    <dsp:sp modelId="{55EEFA35-58E9-46AC-AC62-F13AB1DB4C2E}">
-      <dsp:nvSpPr>
-        <dsp:cNvPr id="0" name=""/>
-        <dsp:cNvSpPr/>
-      </dsp:nvSpPr>
-      <dsp:spPr>
-        <a:xfrm>
-          <a:off x="4176471" y="2987789"/>
-          <a:ext cx="2210299" cy="336231"/>
-        </a:xfrm>
-        <a:prstGeom prst="rect">
-          <a:avLst/>
-        </a:prstGeom>
-        <a:noFill/>
-        <a:ln>
-          <a:noFill/>
-        </a:ln>
-        <a:effectLst/>
-      </dsp:spPr>
-      <dsp:style>
-        <a:lnRef idx="0">
-          <a:scrgbClr r="0" g="0" b="0"/>
-        </a:lnRef>
-        <a:fillRef idx="0">
-          <a:scrgbClr r="0" g="0" b="0"/>
-        </a:fillRef>
-        <a:effectRef idx="0">
-          <a:scrgbClr r="0" g="0" b="0"/>
-        </a:effectRef>
-        <a:fontRef idx="minor"/>
-      </dsp:style>
-      <dsp:txBody>
-        <a:bodyPr spcFirstLastPara="0" vert="horz" wrap="square" lIns="68580" tIns="68580" rIns="68580" bIns="68580" numCol="1" spcCol="1270" anchor="t" anchorCtr="0">
-          <a:noAutofit/>
-        </a:bodyPr>
-        <a:lstStyle/>
-        <a:p>
-          <a:pPr lvl="0" algn="l" defTabSz="800100">
-            <a:lnSpc>
-              <a:spcPct val="90000"/>
-            </a:lnSpc>
-            <a:spcBef>
-              <a:spcPct val="0"/>
-            </a:spcBef>
-            <a:spcAft>
-              <a:spcPct val="35000"/>
-            </a:spcAft>
-          </a:pPr>
-          <a:r>
-            <a:rPr lang="en-US" sz="1800" kern="1200" smtClean="0"/>
-            <a:t>Forward Action</a:t>
-          </a:r>
-          <a:endParaRPr lang="en-IN" sz="1800" kern="1200"/>
-        </a:p>
-      </dsp:txBody>
-      <dsp:txXfrm>
-        <a:off x="4176471" y="2987789"/>
-        <a:ext cx="2210299" cy="336231"/>
-      </dsp:txXfrm>
-    </dsp:sp>
-    <dsp:sp modelId="{FB9A7791-8308-4A0C-B210-A522A9CB0092}">
-      <dsp:nvSpPr>
-        <dsp:cNvPr id="0" name=""/>
-        <dsp:cNvSpPr/>
-      </dsp:nvSpPr>
-      <dsp:spPr>
-        <a:xfrm>
-          <a:off x="4099069" y="3416683"/>
-          <a:ext cx="4684149" cy="0"/>
-        </a:xfrm>
-        <a:prstGeom prst="line">
-          <a:avLst/>
-        </a:prstGeom>
-        <a:solidFill>
-          <a:schemeClr val="accent1">
-            <a:hueOff val="0"/>
-            <a:satOff val="0"/>
-            <a:lumOff val="0"/>
-            <a:alphaOff val="0"/>
-          </a:schemeClr>
-        </a:solidFill>
-        <a:ln w="25400" cap="flat" cmpd="sng" algn="ctr">
-          <a:solidFill>
-            <a:schemeClr val="accent1">
-              <a:tint val="50000"/>
-              <a:hueOff val="0"/>
-              <a:satOff val="0"/>
-              <a:lumOff val="0"/>
-              <a:alphaOff val="0"/>
-            </a:schemeClr>
-          </a:solidFill>
-          <a:prstDash val="solid"/>
-        </a:ln>
-        <a:effectLst/>
-      </dsp:spPr>
-      <dsp:style>
-        <a:lnRef idx="2">
-          <a:scrgbClr r="0" g="0" b="0"/>
-        </a:lnRef>
-        <a:fillRef idx="1">
-          <a:scrgbClr r="0" g="0" b="0"/>
-        </a:fillRef>
-        <a:effectRef idx="0">
-          <a:scrgbClr r="0" g="0" b="0"/>
-        </a:effectRef>
-        <a:fontRef idx="minor"/>
-      </dsp:style>
-    </dsp:sp>
-    <dsp:sp modelId="{55C9695D-B5C1-4239-ABAB-D1D19DE97834}">
-      <dsp:nvSpPr>
-        <dsp:cNvPr id="0" name=""/>
-        <dsp:cNvSpPr/>
-      </dsp:nvSpPr>
-      <dsp:spPr>
-        <a:xfrm>
-          <a:off x="4230844" y="3416683"/>
-          <a:ext cx="2210299" cy="341028"/>
-        </a:xfrm>
-        <a:prstGeom prst="rect">
-          <a:avLst/>
-        </a:prstGeom>
-        <a:noFill/>
-        <a:ln>
-          <a:noFill/>
-        </a:ln>
-        <a:effectLst/>
-      </dsp:spPr>
-      <dsp:style>
-        <a:lnRef idx="0">
-          <a:scrgbClr r="0" g="0" b="0"/>
-        </a:lnRef>
-        <a:fillRef idx="0">
-          <a:scrgbClr r="0" g="0" b="0"/>
-        </a:fillRef>
-        <a:effectRef idx="0">
-          <a:scrgbClr r="0" g="0" b="0"/>
-        </a:effectRef>
-        <a:fontRef idx="minor"/>
-      </dsp:style>
-      <dsp:txBody>
-        <a:bodyPr spcFirstLastPara="0" vert="horz" wrap="square" lIns="68580" tIns="68580" rIns="68580" bIns="68580" numCol="1" spcCol="1270" anchor="t" anchorCtr="0">
-          <a:noAutofit/>
-        </a:bodyPr>
-        <a:lstStyle/>
-        <a:p>
-          <a:pPr lvl="0" algn="l" defTabSz="800100">
-            <a:lnSpc>
-              <a:spcPct val="90000"/>
-            </a:lnSpc>
-            <a:spcBef>
-              <a:spcPct val="0"/>
-            </a:spcBef>
-            <a:spcAft>
-              <a:spcPct val="35000"/>
-            </a:spcAft>
-          </a:pPr>
-          <a:r>
-            <a:rPr lang="en-US" sz="1800" kern="1200" smtClean="0"/>
-            <a:t>Use Bean action</a:t>
-          </a:r>
-          <a:endParaRPr lang="en-IN" sz="1800" kern="1200"/>
-        </a:p>
-      </dsp:txBody>
-      <dsp:txXfrm>
-        <a:off x="4230844" y="3416683"/>
-        <a:ext cx="2210299" cy="341028"/>
-      </dsp:txXfrm>
-    </dsp:sp>
-    <dsp:sp modelId="{8AFC49EE-054E-4DD8-BCBF-B6ACB180A2CC}">
-      <dsp:nvSpPr>
-        <dsp:cNvPr id="0" name=""/>
-        <dsp:cNvSpPr/>
-      </dsp:nvSpPr>
-      <dsp:spPr>
-        <a:xfrm>
-          <a:off x="1756995" y="3757711"/>
-          <a:ext cx="7027980" cy="0"/>
-        </a:xfrm>
-        <a:prstGeom prst="line">
-          <a:avLst/>
-        </a:prstGeom>
-        <a:solidFill>
-          <a:schemeClr val="accent1">
-            <a:hueOff val="0"/>
-            <a:satOff val="0"/>
-            <a:lumOff val="0"/>
-            <a:alphaOff val="0"/>
-          </a:schemeClr>
-        </a:solidFill>
-        <a:ln w="25400" cap="flat" cmpd="sng" algn="ctr">
-          <a:solidFill>
-            <a:schemeClr val="accent1">
-              <a:tint val="50000"/>
-              <a:hueOff val="0"/>
-              <a:satOff val="0"/>
-              <a:lumOff val="0"/>
-              <a:alphaOff val="0"/>
-            </a:schemeClr>
-          </a:solidFill>
-          <a:prstDash val="solid"/>
-        </a:ln>
-        <a:effectLst/>
-      </dsp:spPr>
-      <dsp:style>
-        <a:lnRef idx="2">
-          <a:scrgbClr r="0" g="0" b="0"/>
-        </a:lnRef>
-        <a:fillRef idx="1">
-          <a:scrgbClr r="0" g="0" b="0"/>
-        </a:fillRef>
-        <a:effectRef idx="0">
-          <a:scrgbClr r="0" g="0" b="0"/>
-        </a:effectRef>
-        <a:fontRef idx="minor"/>
-      </dsp:style>
-    </dsp:sp>
-    <dsp:sp modelId="{FDD34689-47E6-47F4-87C9-73FAFDF07A4B}">
-      <dsp:nvSpPr>
-        <dsp:cNvPr id="0" name=""/>
-        <dsp:cNvSpPr/>
-      </dsp:nvSpPr>
-      <dsp:spPr>
-        <a:xfrm>
-          <a:off x="1888769" y="3884610"/>
-          <a:ext cx="2210299" cy="755963"/>
-        </a:xfrm>
-        <a:prstGeom prst="rect">
-          <a:avLst/>
-        </a:prstGeom>
-        <a:noFill/>
-        <a:ln>
-          <a:noFill/>
-        </a:ln>
-        <a:effectLst/>
-      </dsp:spPr>
-      <dsp:style>
-        <a:lnRef idx="0">
-          <a:scrgbClr r="0" g="0" b="0"/>
-        </a:lnRef>
-        <a:fillRef idx="0">
-          <a:scrgbClr r="0" g="0" b="0"/>
-        </a:fillRef>
-        <a:effectRef idx="0">
-          <a:scrgbClr r="0" g="0" b="0"/>
-        </a:effectRef>
-        <a:fontRef idx="minor"/>
-      </dsp:style>
-      <dsp:txBody>
-        <a:bodyPr spcFirstLastPara="0" vert="horz" wrap="square" lIns="91440" tIns="91440" rIns="91440" bIns="91440" numCol="1" spcCol="1270" anchor="t" anchorCtr="0">
-          <a:noAutofit/>
-        </a:bodyPr>
-        <a:lstStyle/>
-        <a:p>
-          <a:pPr lvl="0" algn="l" defTabSz="1066800">
-            <a:lnSpc>
-              <a:spcPct val="90000"/>
-            </a:lnSpc>
-            <a:spcBef>
-              <a:spcPct val="0"/>
-            </a:spcBef>
-            <a:spcAft>
-              <a:spcPct val="35000"/>
-            </a:spcAft>
-          </a:pPr>
-          <a:r>
-            <a:rPr lang="en-US" sz="2400" kern="1200" smtClean="0"/>
-            <a:t>Directive Tag</a:t>
-          </a:r>
-          <a:endParaRPr lang="en-IN" sz="2400" kern="1200"/>
-        </a:p>
-      </dsp:txBody>
-      <dsp:txXfrm>
-        <a:off x="1888769" y="3884610"/>
-        <a:ext cx="2210299" cy="755963"/>
-      </dsp:txXfrm>
-    </dsp:sp>
-    <dsp:sp modelId="{3E57D97D-5DB7-44FF-BD77-8F1BADD4C3CD}">
-      <dsp:nvSpPr>
-        <dsp:cNvPr id="0" name=""/>
-        <dsp:cNvSpPr/>
-      </dsp:nvSpPr>
-      <dsp:spPr>
-        <a:xfrm>
-          <a:off x="4230844" y="3739112"/>
-          <a:ext cx="2210299" cy="298057"/>
-        </a:xfrm>
-        <a:prstGeom prst="rect">
-          <a:avLst/>
-        </a:prstGeom>
-        <a:noFill/>
-        <a:ln>
-          <a:noFill/>
-        </a:ln>
-        <a:effectLst/>
-      </dsp:spPr>
-      <dsp:style>
-        <a:lnRef idx="0">
-          <a:scrgbClr r="0" g="0" b="0"/>
-        </a:lnRef>
-        <a:fillRef idx="0">
-          <a:scrgbClr r="0" g="0" b="0"/>
-        </a:fillRef>
-        <a:effectRef idx="0">
-          <a:scrgbClr r="0" g="0" b="0"/>
-        </a:effectRef>
-        <a:fontRef idx="minor"/>
-      </dsp:style>
-      <dsp:txBody>
-        <a:bodyPr spcFirstLastPara="0" vert="horz" wrap="square" lIns="68580" tIns="68580" rIns="68580" bIns="68580" numCol="1" spcCol="1270" anchor="t" anchorCtr="0">
-          <a:noAutofit/>
-        </a:bodyPr>
-        <a:lstStyle/>
-        <a:p>
-          <a:pPr lvl="0" algn="l" defTabSz="800100">
-            <a:lnSpc>
-              <a:spcPct val="90000"/>
-            </a:lnSpc>
-            <a:spcBef>
-              <a:spcPct val="0"/>
-            </a:spcBef>
-            <a:spcAft>
-              <a:spcPct val="35000"/>
-            </a:spcAft>
-          </a:pPr>
-          <a:r>
-            <a:rPr lang="en-US" sz="1800" kern="1200" smtClean="0"/>
-            <a:t>Include Directive</a:t>
-          </a:r>
-          <a:endParaRPr lang="en-IN" sz="1800" kern="1200"/>
-        </a:p>
-      </dsp:txBody>
-      <dsp:txXfrm>
-        <a:off x="4230844" y="3739112"/>
-        <a:ext cx="2210299" cy="298057"/>
-      </dsp:txXfrm>
-    </dsp:sp>
-    <dsp:sp modelId="{0C7EB07C-DE77-441F-B335-1D549606A4F7}">
-      <dsp:nvSpPr>
-        <dsp:cNvPr id="0" name=""/>
-        <dsp:cNvSpPr/>
-      </dsp:nvSpPr>
-      <dsp:spPr>
-        <a:xfrm>
-          <a:off x="4099069" y="4176463"/>
-          <a:ext cx="4684149" cy="0"/>
-        </a:xfrm>
-        <a:prstGeom prst="line">
-          <a:avLst/>
-        </a:prstGeom>
-        <a:solidFill>
-          <a:schemeClr val="accent1">
-            <a:hueOff val="0"/>
-            <a:satOff val="0"/>
-            <a:lumOff val="0"/>
-            <a:alphaOff val="0"/>
-          </a:schemeClr>
-        </a:solidFill>
-        <a:ln w="25400" cap="flat" cmpd="sng" algn="ctr">
-          <a:solidFill>
-            <a:schemeClr val="accent1">
-              <a:tint val="50000"/>
-              <a:hueOff val="0"/>
-              <a:satOff val="0"/>
-              <a:lumOff val="0"/>
-              <a:alphaOff val="0"/>
-            </a:schemeClr>
-          </a:solidFill>
-          <a:prstDash val="solid"/>
-        </a:ln>
-        <a:effectLst/>
-      </dsp:spPr>
-      <dsp:style>
-        <a:lnRef idx="2">
-          <a:scrgbClr r="0" g="0" b="0"/>
-        </a:lnRef>
-        <a:fillRef idx="1">
-          <a:scrgbClr r="0" g="0" b="0"/>
-        </a:fillRef>
-        <a:effectRef idx="0">
-          <a:scrgbClr r="0" g="0" b="0"/>
-        </a:effectRef>
-        <a:fontRef idx="minor"/>
-      </dsp:style>
-    </dsp:sp>
-    <dsp:sp modelId="{EC65159F-92D8-43A9-81D5-73F701EDF557}">
-      <dsp:nvSpPr>
-        <dsp:cNvPr id="0" name=""/>
-        <dsp:cNvSpPr/>
-      </dsp:nvSpPr>
-      <dsp:spPr>
-        <a:xfrm>
-          <a:off x="4230844" y="4182668"/>
-          <a:ext cx="2210299" cy="404196"/>
-        </a:xfrm>
-        <a:prstGeom prst="rect">
-          <a:avLst/>
-        </a:prstGeom>
-        <a:noFill/>
-        <a:ln>
-          <a:noFill/>
-        </a:ln>
-        <a:effectLst/>
-      </dsp:spPr>
-      <dsp:style>
-        <a:lnRef idx="0">
-          <a:scrgbClr r="0" g="0" b="0"/>
-        </a:lnRef>
-        <a:fillRef idx="0">
-          <a:scrgbClr r="0" g="0" b="0"/>
-        </a:fillRef>
-        <a:effectRef idx="0">
-          <a:scrgbClr r="0" g="0" b="0"/>
-        </a:effectRef>
-        <a:fontRef idx="minor"/>
-      </dsp:style>
-      <dsp:txBody>
-        <a:bodyPr spcFirstLastPara="0" vert="horz" wrap="square" lIns="68580" tIns="68580" rIns="68580" bIns="68580" numCol="1" spcCol="1270" anchor="t" anchorCtr="0">
-          <a:noAutofit/>
-        </a:bodyPr>
-        <a:lstStyle/>
-        <a:p>
-          <a:pPr lvl="0" algn="l" defTabSz="800100">
-            <a:lnSpc>
-              <a:spcPct val="90000"/>
-            </a:lnSpc>
-            <a:spcBef>
-              <a:spcPct val="0"/>
-            </a:spcBef>
-            <a:spcAft>
-              <a:spcPct val="35000"/>
-            </a:spcAft>
-          </a:pPr>
-          <a:r>
-            <a:rPr lang="en-US" sz="1800" kern="1200" smtClean="0"/>
-            <a:t>Tag Lib  Directive</a:t>
-          </a:r>
-          <a:endParaRPr lang="en-IN" sz="1800" kern="1200"/>
-        </a:p>
-      </dsp:txBody>
-      <dsp:txXfrm>
-        <a:off x="4230844" y="4182668"/>
-        <a:ext cx="2210299" cy="404196"/>
-      </dsp:txXfrm>
-    </dsp:sp>
-    <dsp:sp modelId="{BA61FDB8-D2AB-48A6-8B97-2B491F9BFF3C}">
-      <dsp:nvSpPr>
-        <dsp:cNvPr id="0" name=""/>
-        <dsp:cNvSpPr/>
-      </dsp:nvSpPr>
-      <dsp:spPr>
-        <a:xfrm>
-          <a:off x="4099069" y="4586864"/>
-          <a:ext cx="4684149" cy="0"/>
-        </a:xfrm>
-        <a:prstGeom prst="line">
-          <a:avLst/>
-        </a:prstGeom>
-        <a:solidFill>
-          <a:schemeClr val="accent1">
-            <a:hueOff val="0"/>
-            <a:satOff val="0"/>
-            <a:lumOff val="0"/>
-            <a:alphaOff val="0"/>
-          </a:schemeClr>
-        </a:solidFill>
-        <a:ln w="25400" cap="flat" cmpd="sng" algn="ctr">
-          <a:solidFill>
-            <a:schemeClr val="accent1">
-              <a:tint val="50000"/>
-              <a:hueOff val="0"/>
-              <a:satOff val="0"/>
-              <a:lumOff val="0"/>
-              <a:alphaOff val="0"/>
-            </a:schemeClr>
-          </a:solidFill>
-          <a:prstDash val="solid"/>
-        </a:ln>
-        <a:effectLst/>
-      </dsp:spPr>
-      <dsp:style>
-        <a:lnRef idx="2">
-          <a:scrgbClr r="0" g="0" b="0"/>
-        </a:lnRef>
-        <a:fillRef idx="1">
-          <a:scrgbClr r="0" g="0" b="0"/>
-        </a:fillRef>
-        <a:effectRef idx="0">
-          <a:scrgbClr r="0" g="0" b="0"/>
-        </a:effectRef>
-        <a:fontRef idx="minor"/>
-      </dsp:style>
-    </dsp:sp>
-    <dsp:sp modelId="{5CBFEE1F-91F2-4C25-A44B-5F54E616125A}">
-      <dsp:nvSpPr>
-        <dsp:cNvPr id="0" name=""/>
-        <dsp:cNvSpPr/>
-      </dsp:nvSpPr>
-      <dsp:spPr>
-        <a:xfrm>
-          <a:off x="4230844" y="4586864"/>
-          <a:ext cx="2210299" cy="276653"/>
-        </a:xfrm>
-        <a:prstGeom prst="rect">
-          <a:avLst/>
-        </a:prstGeom>
-        <a:noFill/>
-        <a:ln>
-          <a:noFill/>
-        </a:ln>
-        <a:effectLst/>
-      </dsp:spPr>
-      <dsp:style>
-        <a:lnRef idx="0">
-          <a:scrgbClr r="0" g="0" b="0"/>
-        </a:lnRef>
-        <a:fillRef idx="0">
-          <a:scrgbClr r="0" g="0" b="0"/>
-        </a:fillRef>
-        <a:effectRef idx="0">
-          <a:scrgbClr r="0" g="0" b="0"/>
-        </a:effectRef>
-        <a:fontRef idx="minor"/>
-      </dsp:style>
-      <dsp:txBody>
-        <a:bodyPr spcFirstLastPara="0" vert="horz" wrap="square" lIns="68580" tIns="68580" rIns="68580" bIns="68580" numCol="1" spcCol="1270" anchor="t" anchorCtr="0">
-          <a:noAutofit/>
-        </a:bodyPr>
-        <a:lstStyle/>
-        <a:p>
-          <a:pPr lvl="0" algn="l" defTabSz="800100">
-            <a:lnSpc>
-              <a:spcPct val="90000"/>
-            </a:lnSpc>
-            <a:spcBef>
-              <a:spcPct val="0"/>
-            </a:spcBef>
-            <a:spcAft>
-              <a:spcPct val="35000"/>
-            </a:spcAft>
-          </a:pPr>
-          <a:r>
-            <a:rPr lang="en-US" sz="1800" kern="1200" smtClean="0"/>
-            <a:t>Page Directive</a:t>
-          </a:r>
-          <a:endParaRPr lang="en-IN" sz="1800" kern="1200"/>
-        </a:p>
-      </dsp:txBody>
-      <dsp:txXfrm>
-        <a:off x="4230844" y="4586864"/>
-        <a:ext cx="2210299" cy="276653"/>
-      </dsp:txXfrm>
-    </dsp:sp>
-    <dsp:sp modelId="{416CD987-6923-4EAD-B86E-635212A1129F}">
-      <dsp:nvSpPr>
-        <dsp:cNvPr id="0" name=""/>
-        <dsp:cNvSpPr/>
-      </dsp:nvSpPr>
-      <dsp:spPr>
-        <a:xfrm>
-          <a:off x="6572919" y="4586864"/>
-          <a:ext cx="2210299" cy="203737"/>
-        </a:xfrm>
-        <a:prstGeom prst="rect">
-          <a:avLst/>
-        </a:prstGeom>
-        <a:noFill/>
-        <a:ln>
-          <a:noFill/>
-        </a:ln>
-        <a:effectLst/>
-      </dsp:spPr>
-      <dsp:style>
-        <a:lnRef idx="0">
-          <a:scrgbClr r="0" g="0" b="0"/>
-        </a:lnRef>
-        <a:fillRef idx="0">
-          <a:scrgbClr r="0" g="0" b="0"/>
-        </a:fillRef>
-        <a:effectRef idx="0">
-          <a:scrgbClr r="0" g="0" b="0"/>
-        </a:effectRef>
-        <a:fontRef idx="minor"/>
-      </dsp:style>
-      <dsp:txBody>
-        <a:bodyPr spcFirstLastPara="0" vert="horz" wrap="square" lIns="34290" tIns="34290" rIns="34290" bIns="34290" numCol="1" spcCol="1270" anchor="t" anchorCtr="0">
-          <a:noAutofit/>
-        </a:bodyPr>
-        <a:lstStyle/>
-        <a:p>
-          <a:pPr lvl="0" algn="l" defTabSz="400050">
-            <a:lnSpc>
-              <a:spcPct val="90000"/>
-            </a:lnSpc>
-            <a:spcBef>
-              <a:spcPct val="0"/>
-            </a:spcBef>
-            <a:spcAft>
-              <a:spcPct val="35000"/>
-            </a:spcAft>
-          </a:pPr>
-          <a:r>
-            <a:rPr lang="en-IN" sz="900" kern="1200" smtClean="0"/>
-            <a:t>language</a:t>
-          </a:r>
-          <a:endParaRPr lang="en-IN" sz="900" kern="1200"/>
-        </a:p>
-      </dsp:txBody>
-      <dsp:txXfrm>
-        <a:off x="6572919" y="4586864"/>
-        <a:ext cx="2210299" cy="203737"/>
-      </dsp:txXfrm>
-    </dsp:sp>
-    <dsp:sp modelId="{E1893AA1-687E-4083-A66F-387FA7ECC23E}">
-      <dsp:nvSpPr>
-        <dsp:cNvPr id="0" name=""/>
-        <dsp:cNvSpPr/>
-      </dsp:nvSpPr>
-      <dsp:spPr>
-        <a:xfrm>
-          <a:off x="6572919" y="4790602"/>
-          <a:ext cx="2210299" cy="203737"/>
-        </a:xfrm>
-        <a:prstGeom prst="rect">
-          <a:avLst/>
-        </a:prstGeom>
-        <a:noFill/>
-        <a:ln>
-          <a:noFill/>
-        </a:ln>
-        <a:effectLst/>
-      </dsp:spPr>
-      <dsp:style>
-        <a:lnRef idx="0">
-          <a:scrgbClr r="0" g="0" b="0"/>
-        </a:lnRef>
-        <a:fillRef idx="0">
-          <a:scrgbClr r="0" g="0" b="0"/>
-        </a:fillRef>
-        <a:effectRef idx="0">
-          <a:scrgbClr r="0" g="0" b="0"/>
-        </a:effectRef>
-        <a:fontRef idx="minor"/>
-      </dsp:style>
-      <dsp:txBody>
-        <a:bodyPr spcFirstLastPara="0" vert="horz" wrap="square" lIns="34290" tIns="34290" rIns="34290" bIns="34290" numCol="1" spcCol="1270" anchor="t" anchorCtr="0">
-          <a:noAutofit/>
-        </a:bodyPr>
-        <a:lstStyle/>
-        <a:p>
-          <a:pPr lvl="0" algn="l" defTabSz="400050">
-            <a:lnSpc>
-              <a:spcPct val="90000"/>
-            </a:lnSpc>
-            <a:spcBef>
-              <a:spcPct val="0"/>
-            </a:spcBef>
-            <a:spcAft>
-              <a:spcPct val="35000"/>
-            </a:spcAft>
-          </a:pPr>
-          <a:r>
-            <a:rPr lang="en-US" sz="900" kern="1200" smtClean="0"/>
-            <a:t>info</a:t>
-          </a:r>
-          <a:endParaRPr lang="en-IN" sz="900" kern="1200"/>
-        </a:p>
-      </dsp:txBody>
-      <dsp:txXfrm>
-        <a:off x="6572919" y="4790602"/>
-        <a:ext cx="2210299" cy="203737"/>
-      </dsp:txXfrm>
-    </dsp:sp>
-    <dsp:sp modelId="{E1A44A8A-9C2E-4F3D-9B24-CA9A347C2373}">
-      <dsp:nvSpPr>
-        <dsp:cNvPr id="0" name=""/>
-        <dsp:cNvSpPr/>
-      </dsp:nvSpPr>
-      <dsp:spPr>
-        <a:xfrm>
-          <a:off x="6572919" y="4994340"/>
-          <a:ext cx="2210299" cy="203737"/>
-        </a:xfrm>
-        <a:prstGeom prst="rect">
-          <a:avLst/>
-        </a:prstGeom>
-        <a:noFill/>
-        <a:ln>
-          <a:noFill/>
-        </a:ln>
-        <a:effectLst/>
-      </dsp:spPr>
-      <dsp:style>
-        <a:lnRef idx="0">
-          <a:scrgbClr r="0" g="0" b="0"/>
-        </a:lnRef>
-        <a:fillRef idx="0">
-          <a:scrgbClr r="0" g="0" b="0"/>
-        </a:fillRef>
-        <a:effectRef idx="0">
-          <a:scrgbClr r="0" g="0" b="0"/>
-        </a:effectRef>
-        <a:fontRef idx="minor"/>
-      </dsp:style>
-      <dsp:txBody>
-        <a:bodyPr spcFirstLastPara="0" vert="horz" wrap="square" lIns="34290" tIns="34290" rIns="34290" bIns="34290" numCol="1" spcCol="1270" anchor="t" anchorCtr="0">
-          <a:noAutofit/>
-        </a:bodyPr>
-        <a:lstStyle/>
-        <a:p>
-          <a:pPr lvl="0" algn="l" defTabSz="400050">
-            <a:lnSpc>
-              <a:spcPct val="90000"/>
-            </a:lnSpc>
-            <a:spcBef>
-              <a:spcPct val="0"/>
-            </a:spcBef>
-            <a:spcAft>
-              <a:spcPct val="35000"/>
-            </a:spcAft>
-          </a:pPr>
-          <a:r>
-            <a:rPr lang="en-IN" sz="900" b="1" kern="1200" smtClean="0"/>
-            <a:t>contentType</a:t>
-          </a:r>
-          <a:endParaRPr lang="en-IN" sz="900" kern="1200"/>
-        </a:p>
-      </dsp:txBody>
-      <dsp:txXfrm>
-        <a:off x="6572919" y="4994340"/>
-        <a:ext cx="2210299" cy="203737"/>
-      </dsp:txXfrm>
-    </dsp:sp>
-    <dsp:sp modelId="{B05CE4E5-CFE1-4B66-A141-3243BAED9E53}">
-      <dsp:nvSpPr>
-        <dsp:cNvPr id="0" name=""/>
-        <dsp:cNvSpPr/>
-      </dsp:nvSpPr>
-      <dsp:spPr>
-        <a:xfrm>
-          <a:off x="6572919" y="5198078"/>
-          <a:ext cx="2210299" cy="203737"/>
-        </a:xfrm>
-        <a:prstGeom prst="rect">
-          <a:avLst/>
-        </a:prstGeom>
-        <a:noFill/>
-        <a:ln>
-          <a:noFill/>
-        </a:ln>
-        <a:effectLst/>
-      </dsp:spPr>
-      <dsp:style>
-        <a:lnRef idx="0">
-          <a:scrgbClr r="0" g="0" b="0"/>
-        </a:lnRef>
-        <a:fillRef idx="0">
-          <a:scrgbClr r="0" g="0" b="0"/>
-        </a:fillRef>
-        <a:effectRef idx="0">
-          <a:scrgbClr r="0" g="0" b="0"/>
-        </a:effectRef>
-        <a:fontRef idx="minor"/>
-      </dsp:style>
-      <dsp:txBody>
-        <a:bodyPr spcFirstLastPara="0" vert="horz" wrap="square" lIns="34290" tIns="34290" rIns="34290" bIns="34290" numCol="1" spcCol="1270" anchor="t" anchorCtr="0">
-          <a:noAutofit/>
-        </a:bodyPr>
-        <a:lstStyle/>
-        <a:p>
-          <a:pPr lvl="0" algn="l" defTabSz="400050">
-            <a:lnSpc>
-              <a:spcPct val="90000"/>
-            </a:lnSpc>
-            <a:spcBef>
-              <a:spcPct val="0"/>
-            </a:spcBef>
-            <a:spcAft>
-              <a:spcPct val="35000"/>
-            </a:spcAft>
-          </a:pPr>
-          <a:r>
-            <a:rPr lang="en-IN" sz="900" b="1" kern="1200" smtClean="0"/>
-            <a:t>import</a:t>
-          </a:r>
-          <a:endParaRPr lang="en-IN" sz="900" kern="1200"/>
-        </a:p>
-      </dsp:txBody>
-      <dsp:txXfrm>
-        <a:off x="6572919" y="5198078"/>
-        <a:ext cx="2210299" cy="203737"/>
-      </dsp:txXfrm>
-    </dsp:sp>
-    <dsp:sp modelId="{58386BAA-78BD-4B1F-9A60-D1A0DA65D642}">
-      <dsp:nvSpPr>
-        <dsp:cNvPr id="0" name=""/>
-        <dsp:cNvSpPr/>
-      </dsp:nvSpPr>
-      <dsp:spPr>
-        <a:xfrm>
-          <a:off x="6572919" y="5401815"/>
-          <a:ext cx="2210299" cy="203737"/>
-        </a:xfrm>
-        <a:prstGeom prst="rect">
-          <a:avLst/>
-        </a:prstGeom>
-        <a:noFill/>
-        <a:ln>
-          <a:noFill/>
-        </a:ln>
-        <a:effectLst/>
-      </dsp:spPr>
-      <dsp:style>
-        <a:lnRef idx="0">
-          <a:scrgbClr r="0" g="0" b="0"/>
-        </a:lnRef>
-        <a:fillRef idx="0">
-          <a:scrgbClr r="0" g="0" b="0"/>
-        </a:fillRef>
-        <a:effectRef idx="0">
-          <a:scrgbClr r="0" g="0" b="0"/>
-        </a:effectRef>
-        <a:fontRef idx="minor"/>
-      </dsp:style>
-      <dsp:txBody>
-        <a:bodyPr spcFirstLastPara="0" vert="horz" wrap="square" lIns="34290" tIns="34290" rIns="34290" bIns="34290" numCol="1" spcCol="1270" anchor="t" anchorCtr="0">
-          <a:noAutofit/>
-        </a:bodyPr>
-        <a:lstStyle/>
-        <a:p>
-          <a:pPr lvl="0" algn="l" defTabSz="400050">
-            <a:lnSpc>
-              <a:spcPct val="90000"/>
-            </a:lnSpc>
-            <a:spcBef>
-              <a:spcPct val="0"/>
-            </a:spcBef>
-            <a:spcAft>
-              <a:spcPct val="35000"/>
-            </a:spcAft>
-          </a:pPr>
-          <a:r>
-            <a:rPr lang="en-IN" sz="900" kern="1200" smtClean="0"/>
-            <a:t>extends</a:t>
-          </a:r>
-          <a:endParaRPr lang="en-IN" sz="900" kern="1200"/>
-        </a:p>
-      </dsp:txBody>
-      <dsp:txXfrm>
-        <a:off x="6572919" y="5401815"/>
-        <a:ext cx="2210299" cy="203737"/>
-      </dsp:txXfrm>
-    </dsp:sp>
-    <dsp:sp modelId="{5E1ECCFA-29FB-4E21-A29E-65B0E8E20154}">
-      <dsp:nvSpPr>
-        <dsp:cNvPr id="0" name=""/>
-        <dsp:cNvSpPr/>
-      </dsp:nvSpPr>
-      <dsp:spPr>
-        <a:xfrm>
-          <a:off x="6572919" y="5605553"/>
-          <a:ext cx="2210299" cy="203737"/>
-        </a:xfrm>
-        <a:prstGeom prst="rect">
-          <a:avLst/>
-        </a:prstGeom>
-        <a:noFill/>
-        <a:ln>
-          <a:noFill/>
-        </a:ln>
-        <a:effectLst/>
-      </dsp:spPr>
-      <dsp:style>
-        <a:lnRef idx="0">
-          <a:scrgbClr r="0" g="0" b="0"/>
-        </a:lnRef>
-        <a:fillRef idx="0">
-          <a:scrgbClr r="0" g="0" b="0"/>
-        </a:fillRef>
-        <a:effectRef idx="0">
-          <a:scrgbClr r="0" g="0" b="0"/>
-        </a:effectRef>
-        <a:fontRef idx="minor"/>
-      </dsp:style>
-      <dsp:txBody>
-        <a:bodyPr spcFirstLastPara="0" vert="horz" wrap="square" lIns="34290" tIns="34290" rIns="34290" bIns="34290" numCol="1" spcCol="1270" anchor="t" anchorCtr="0">
-          <a:noAutofit/>
-        </a:bodyPr>
-        <a:lstStyle/>
-        <a:p>
-          <a:pPr lvl="0" algn="l" defTabSz="400050">
-            <a:lnSpc>
-              <a:spcPct val="90000"/>
-            </a:lnSpc>
-            <a:spcBef>
-              <a:spcPct val="0"/>
-            </a:spcBef>
-            <a:spcAft>
-              <a:spcPct val="35000"/>
-            </a:spcAft>
-          </a:pPr>
-          <a:r>
-            <a:rPr lang="en-IN" sz="900" kern="1200" smtClean="0"/>
-            <a:t>buffer</a:t>
-          </a:r>
-          <a:endParaRPr lang="en-IN" sz="900" kern="1200"/>
-        </a:p>
-      </dsp:txBody>
-      <dsp:txXfrm>
-        <a:off x="6572919" y="5605553"/>
-        <a:ext cx="2210299" cy="203737"/>
-      </dsp:txXfrm>
-    </dsp:sp>
-    <dsp:sp modelId="{668195F6-8BDA-4E9E-ACF0-7E7CF0C1CC92}">
-      <dsp:nvSpPr>
-        <dsp:cNvPr id="0" name=""/>
-        <dsp:cNvSpPr/>
-      </dsp:nvSpPr>
-      <dsp:spPr>
-        <a:xfrm>
-          <a:off x="6572919" y="5809291"/>
-          <a:ext cx="2210299" cy="203737"/>
-        </a:xfrm>
-        <a:prstGeom prst="rect">
-          <a:avLst/>
-        </a:prstGeom>
-        <a:noFill/>
-        <a:ln>
-          <a:noFill/>
-        </a:ln>
-        <a:effectLst/>
-      </dsp:spPr>
-      <dsp:style>
-        <a:lnRef idx="0">
-          <a:scrgbClr r="0" g="0" b="0"/>
-        </a:lnRef>
-        <a:fillRef idx="0">
-          <a:scrgbClr r="0" g="0" b="0"/>
-        </a:fillRef>
-        <a:effectRef idx="0">
-          <a:scrgbClr r="0" g="0" b="0"/>
-        </a:effectRef>
-        <a:fontRef idx="minor"/>
-      </dsp:style>
-      <dsp:txBody>
-        <a:bodyPr spcFirstLastPara="0" vert="horz" wrap="square" lIns="34290" tIns="34290" rIns="34290" bIns="34290" numCol="1" spcCol="1270" anchor="t" anchorCtr="0">
-          <a:noAutofit/>
-        </a:bodyPr>
-        <a:lstStyle/>
-        <a:p>
-          <a:pPr lvl="0" algn="l" defTabSz="400050">
-            <a:lnSpc>
-              <a:spcPct val="90000"/>
-            </a:lnSpc>
-            <a:spcBef>
-              <a:spcPct val="0"/>
-            </a:spcBef>
-            <a:spcAft>
-              <a:spcPct val="35000"/>
-            </a:spcAft>
-          </a:pPr>
-          <a:r>
-            <a:rPr lang="en-IN" sz="900" kern="1200" smtClean="0"/>
-            <a:t>autoFlush</a:t>
-          </a:r>
-          <a:endParaRPr lang="en-IN" sz="900" kern="1200"/>
-        </a:p>
-      </dsp:txBody>
-      <dsp:txXfrm>
-        <a:off x="6572919" y="5809291"/>
-        <a:ext cx="2210299" cy="203737"/>
-      </dsp:txXfrm>
-    </dsp:sp>
-    <dsp:sp modelId="{373302D5-1E5B-4FA1-B4E0-337BD755D1DA}">
-      <dsp:nvSpPr>
-        <dsp:cNvPr id="0" name=""/>
-        <dsp:cNvSpPr/>
-      </dsp:nvSpPr>
-      <dsp:spPr>
-        <a:xfrm>
-          <a:off x="6572919" y="6013029"/>
-          <a:ext cx="2210299" cy="203737"/>
-        </a:xfrm>
-        <a:prstGeom prst="rect">
-          <a:avLst/>
-        </a:prstGeom>
-        <a:noFill/>
-        <a:ln>
-          <a:noFill/>
-        </a:ln>
-        <a:effectLst/>
-      </dsp:spPr>
-      <dsp:style>
-        <a:lnRef idx="0">
-          <a:scrgbClr r="0" g="0" b="0"/>
-        </a:lnRef>
-        <a:fillRef idx="0">
-          <a:scrgbClr r="0" g="0" b="0"/>
-        </a:fillRef>
-        <a:effectRef idx="0">
-          <a:scrgbClr r="0" g="0" b="0"/>
-        </a:effectRef>
-        <a:fontRef idx="minor"/>
-      </dsp:style>
-      <dsp:txBody>
-        <a:bodyPr spcFirstLastPara="0" vert="horz" wrap="square" lIns="34290" tIns="34290" rIns="34290" bIns="34290" numCol="1" spcCol="1270" anchor="t" anchorCtr="0">
-          <a:noAutofit/>
-        </a:bodyPr>
-        <a:lstStyle/>
-        <a:p>
-          <a:pPr lvl="0" algn="l" defTabSz="400050">
-            <a:lnSpc>
-              <a:spcPct val="90000"/>
-            </a:lnSpc>
-            <a:spcBef>
-              <a:spcPct val="0"/>
-            </a:spcBef>
-            <a:spcAft>
-              <a:spcPct val="35000"/>
-            </a:spcAft>
-          </a:pPr>
-          <a:r>
-            <a:rPr lang="en-IN" sz="900" b="1" kern="1200" smtClean="0"/>
-            <a:t>session</a:t>
-          </a:r>
-          <a:endParaRPr lang="en-IN" sz="900" kern="1200"/>
-        </a:p>
-      </dsp:txBody>
-      <dsp:txXfrm>
-        <a:off x="6572919" y="6013029"/>
-        <a:ext cx="2210299" cy="203737"/>
-      </dsp:txXfrm>
-    </dsp:sp>
-    <dsp:sp modelId="{ADD3FAE1-ACA0-4F4D-90FD-B3A4CEB35D5C}">
-      <dsp:nvSpPr>
-        <dsp:cNvPr id="0" name=""/>
-        <dsp:cNvSpPr/>
-      </dsp:nvSpPr>
-      <dsp:spPr>
-        <a:xfrm>
-          <a:off x="6572919" y="6216767"/>
-          <a:ext cx="2210299" cy="203737"/>
-        </a:xfrm>
-        <a:prstGeom prst="rect">
-          <a:avLst/>
-        </a:prstGeom>
-        <a:noFill/>
-        <a:ln>
-          <a:noFill/>
-        </a:ln>
-        <a:effectLst/>
-      </dsp:spPr>
-      <dsp:style>
-        <a:lnRef idx="0">
-          <a:scrgbClr r="0" g="0" b="0"/>
-        </a:lnRef>
-        <a:fillRef idx="0">
-          <a:scrgbClr r="0" g="0" b="0"/>
-        </a:fillRef>
-        <a:effectRef idx="0">
-          <a:scrgbClr r="0" g="0" b="0"/>
-        </a:effectRef>
-        <a:fontRef idx="minor"/>
-      </dsp:style>
-      <dsp:txBody>
-        <a:bodyPr spcFirstLastPara="0" vert="horz" wrap="square" lIns="34290" tIns="34290" rIns="34290" bIns="34290" numCol="1" spcCol="1270" anchor="t" anchorCtr="0">
-          <a:noAutofit/>
-        </a:bodyPr>
-        <a:lstStyle/>
-        <a:p>
-          <a:pPr lvl="0" algn="l" defTabSz="400050">
-            <a:lnSpc>
-              <a:spcPct val="90000"/>
-            </a:lnSpc>
-            <a:spcBef>
-              <a:spcPct val="0"/>
-            </a:spcBef>
-            <a:spcAft>
-              <a:spcPct val="35000"/>
-            </a:spcAft>
-          </a:pPr>
-          <a:endParaRPr lang="en-IN" sz="900" kern="1200"/>
-        </a:p>
-      </dsp:txBody>
-      <dsp:txXfrm>
-        <a:off x="6572919" y="6216767"/>
-        <a:ext cx="2210299" cy="203737"/>
-      </dsp:txXfrm>
-    </dsp:sp>
-    <dsp:sp modelId="{125B6ECC-AEB8-460D-97EE-6868513CB36F}">
-      <dsp:nvSpPr>
-        <dsp:cNvPr id="0" name=""/>
-        <dsp:cNvSpPr/>
-      </dsp:nvSpPr>
-      <dsp:spPr>
-        <a:xfrm>
-          <a:off x="1756995" y="6420505"/>
-          <a:ext cx="7027980" cy="0"/>
-        </a:xfrm>
-        <a:prstGeom prst="line">
-          <a:avLst/>
-        </a:prstGeom>
-        <a:solidFill>
-          <a:schemeClr val="accent1">
-            <a:hueOff val="0"/>
-            <a:satOff val="0"/>
-            <a:lumOff val="0"/>
-            <a:alphaOff val="0"/>
-          </a:schemeClr>
-        </a:solidFill>
-        <a:ln w="25400" cap="flat" cmpd="sng" algn="ctr">
-          <a:solidFill>
-            <a:schemeClr val="accent1">
-              <a:tint val="50000"/>
-              <a:hueOff val="0"/>
-              <a:satOff val="0"/>
-              <a:lumOff val="0"/>
-              <a:alphaOff val="0"/>
-            </a:schemeClr>
-          </a:solidFill>
-          <a:prstDash val="solid"/>
-        </a:ln>
-        <a:effectLst/>
-      </dsp:spPr>
-      <dsp:style>
-        <a:lnRef idx="2">
-          <a:scrgbClr r="0" g="0" b="0"/>
-        </a:lnRef>
-        <a:fillRef idx="1">
-          <a:scrgbClr r="0" g="0" b="0"/>
-        </a:fillRef>
-        <a:effectRef idx="0">
-          <a:scrgbClr r="0" g="0" b="0"/>
-        </a:effectRef>
-        <a:fontRef idx="minor"/>
-      </dsp:style>
-    </dsp:sp>
   </dsp:spTree>
 </dsp:drawing>
 </file>
@@ -5760,7 +4023,7 @@
           <a:p>
             <a:fld id="{4D5E6690-03A7-49E8-BBE8-9FAB747999F4}" type="datetimeFigureOut">
               <a:rPr lang="en-US" smtClean="0"/>
-              <a:t>11/2/2017</a:t>
+              <a:t>11/24/2017</a:t>
             </a:fld>
             <a:endParaRPr lang="en-US" dirty="0"/>
           </a:p>
@@ -7005,7 +5268,7 @@
           <a:p>
             <a:fld id="{F91BD43F-C672-4ED4-8CF3-4F6C72EB09E5}" type="datetimeFigureOut">
               <a:rPr lang="en-IN" smtClean="0"/>
-              <a:t>02-11-2017</a:t>
+              <a:t>24-11-2017</a:t>
             </a:fld>
             <a:endParaRPr lang="en-IN" dirty="0"/>
           </a:p>
@@ -7175,7 +5438,7 @@
           <a:p>
             <a:fld id="{F91BD43F-C672-4ED4-8CF3-4F6C72EB09E5}" type="datetimeFigureOut">
               <a:rPr lang="en-IN" smtClean="0"/>
-              <a:t>02-11-2017</a:t>
+              <a:t>24-11-2017</a:t>
             </a:fld>
             <a:endParaRPr lang="en-IN" dirty="0"/>
           </a:p>
@@ -7355,7 +5618,7 @@
           <a:p>
             <a:fld id="{F91BD43F-C672-4ED4-8CF3-4F6C72EB09E5}" type="datetimeFigureOut">
               <a:rPr lang="en-IN" smtClean="0"/>
-              <a:t>02-11-2017</a:t>
+              <a:t>24-11-2017</a:t>
             </a:fld>
             <a:endParaRPr lang="en-IN" dirty="0"/>
           </a:p>
@@ -7525,7 +5788,7 @@
           <a:p>
             <a:fld id="{F91BD43F-C672-4ED4-8CF3-4F6C72EB09E5}" type="datetimeFigureOut">
               <a:rPr lang="en-IN" smtClean="0"/>
-              <a:t>02-11-2017</a:t>
+              <a:t>24-11-2017</a:t>
             </a:fld>
             <a:endParaRPr lang="en-IN" dirty="0"/>
           </a:p>
@@ -7771,7 +6034,7 @@
           <a:p>
             <a:fld id="{F91BD43F-C672-4ED4-8CF3-4F6C72EB09E5}" type="datetimeFigureOut">
               <a:rPr lang="en-IN" smtClean="0"/>
-              <a:t>02-11-2017</a:t>
+              <a:t>24-11-2017</a:t>
             </a:fld>
             <a:endParaRPr lang="en-IN" dirty="0"/>
           </a:p>
@@ -8059,7 +6322,7 @@
           <a:p>
             <a:fld id="{F91BD43F-C672-4ED4-8CF3-4F6C72EB09E5}" type="datetimeFigureOut">
               <a:rPr lang="en-IN" smtClean="0"/>
-              <a:t>02-11-2017</a:t>
+              <a:t>24-11-2017</a:t>
             </a:fld>
             <a:endParaRPr lang="en-IN" dirty="0"/>
           </a:p>
@@ -8481,7 +6744,7 @@
           <a:p>
             <a:fld id="{F91BD43F-C672-4ED4-8CF3-4F6C72EB09E5}" type="datetimeFigureOut">
               <a:rPr lang="en-IN" smtClean="0"/>
-              <a:t>02-11-2017</a:t>
+              <a:t>24-11-2017</a:t>
             </a:fld>
             <a:endParaRPr lang="en-IN" dirty="0"/>
           </a:p>
@@ -8599,7 +6862,7 @@
           <a:p>
             <a:fld id="{F91BD43F-C672-4ED4-8CF3-4F6C72EB09E5}" type="datetimeFigureOut">
               <a:rPr lang="en-IN" smtClean="0"/>
-              <a:t>02-11-2017</a:t>
+              <a:t>24-11-2017</a:t>
             </a:fld>
             <a:endParaRPr lang="en-IN" dirty="0"/>
           </a:p>
@@ -8694,7 +6957,7 @@
           <a:p>
             <a:fld id="{F91BD43F-C672-4ED4-8CF3-4F6C72EB09E5}" type="datetimeFigureOut">
               <a:rPr lang="en-IN" smtClean="0"/>
-              <a:t>02-11-2017</a:t>
+              <a:t>24-11-2017</a:t>
             </a:fld>
             <a:endParaRPr lang="en-IN" dirty="0"/>
           </a:p>
@@ -8971,7 +7234,7 @@
           <a:p>
             <a:fld id="{F91BD43F-C672-4ED4-8CF3-4F6C72EB09E5}" type="datetimeFigureOut">
               <a:rPr lang="en-IN" smtClean="0"/>
-              <a:t>02-11-2017</a:t>
+              <a:t>24-11-2017</a:t>
             </a:fld>
             <a:endParaRPr lang="en-IN" dirty="0"/>
           </a:p>
@@ -9224,7 +7487,7 @@
           <a:p>
             <a:fld id="{F91BD43F-C672-4ED4-8CF3-4F6C72EB09E5}" type="datetimeFigureOut">
               <a:rPr lang="en-IN" smtClean="0"/>
-              <a:t>02-11-2017</a:t>
+              <a:t>24-11-2017</a:t>
             </a:fld>
             <a:endParaRPr lang="en-IN" dirty="0"/>
           </a:p>
@@ -9437,7 +7700,7 @@
           <a:p>
             <a:fld id="{F91BD43F-C672-4ED4-8CF3-4F6C72EB09E5}" type="datetimeFigureOut">
               <a:rPr lang="en-IN" smtClean="0"/>
-              <a:t>02-11-2017</a:t>
+              <a:t>24-11-2017</a:t>
             </a:fld>
             <a:endParaRPr lang="en-IN" dirty="0"/>
           </a:p>
@@ -11529,6 +9792,36 @@
           </a:p>
         </p:txBody>
       </p:sp>
+      <p:pic>
+        <p:nvPicPr>
+          <p:cNvPr id="24" name="Picture 23"/>
+          <p:cNvPicPr>
+            <a:picLocks noChangeAspect="1"/>
+          </p:cNvPicPr>
+          <p:nvPr/>
+        </p:nvPicPr>
+        <p:blipFill>
+          <a:blip r:embed="rId3">
+            <a:extLst>
+              <a:ext uri="{28A0092B-C50C-407E-A947-70E740481C1C}">
+                <a14:useLocalDpi xmlns:a14="http://schemas.microsoft.com/office/drawing/2010/main" val="0"/>
+              </a:ext>
+            </a:extLst>
+          </a:blip>
+          <a:stretch>
+            <a:fillRect/>
+          </a:stretch>
+        </p:blipFill>
+        <p:spPr>
+          <a:xfrm>
+            <a:off x="8005137" y="817976"/>
+            <a:ext cx="774617" cy="1468167"/>
+          </a:xfrm>
+          <a:prstGeom prst="rect">
+            <a:avLst/>
+          </a:prstGeom>
+        </p:spPr>
+      </p:pic>
     </p:spTree>
     <p:extLst>
       <p:ext uri="{BB962C8B-B14F-4D97-AF65-F5344CB8AC3E}">
@@ -52560,23 +50853,7 @@
             </a:r>
             <a:r>
               <a:rPr lang="en-IN" sz="2000" b="1" u="sng" dirty="0" smtClean="0"/>
-              <a:t>elements </a:t>
-            </a:r>
-            <a:r>
-              <a:rPr lang="en-IN" sz="2000" b="1" u="sng" dirty="0" smtClean="0"/>
-              <a:t>of HTTP </a:t>
-            </a:r>
-            <a:r>
-              <a:rPr lang="en-IN" sz="2000" b="1" u="sng" dirty="0" smtClean="0"/>
-              <a:t>Request </a:t>
-            </a:r>
-            <a:r>
-              <a:rPr lang="en-IN" sz="2000" b="1" u="sng" dirty="0" smtClean="0"/>
-              <a:t>are </a:t>
-            </a:r>
-            <a:r>
-              <a:rPr lang="en-IN" sz="2000" b="1" u="sng" dirty="0" smtClean="0"/>
-              <a:t>:</a:t>
+              <a:t>elements of HTTP Request are :</a:t>
             </a:r>
           </a:p>
           <a:p>
@@ -52714,11 +50991,7 @@
             </a:pPr>
             <a:r>
               <a:rPr lang="en-IN" sz="1801" b="1" dirty="0" smtClean="0"/>
-              <a:t>Content </a:t>
-            </a:r>
-            <a:r>
-              <a:rPr lang="en-IN" sz="1801" b="1" dirty="0" smtClean="0"/>
-              <a:t>Type </a:t>
+              <a:t>Content Type </a:t>
             </a:r>
             <a:r>
               <a:rPr lang="en-IN" sz="1801" b="1" dirty="0"/>
